--- a/자바 심화/자바 심화 과제/완료 과제/20230320 자바심화 과제 남정현.pptx
+++ b/자바 심화/자바 심화 과제/완료 과제/20230320 자바심화 과제 남정현.pptx
@@ -1,41 +1,42 @@
 
 <file path=ppt/presentation.xml><?xml version="1.0" encoding="utf-8"?>
-<p:presentation xmlns:r="http://schemas.openxmlformats.org/officeDocument/2006/relationships" xmlns:c="http://schemas.openxmlformats.org/drawingml/2006/chart" xmlns:a="http://schemas.openxmlformats.org/drawingml/2006/main" xmlns:dgm="http://schemas.openxmlformats.org/drawingml/2006/diagram" xmlns:dsp="http://schemas.microsoft.com/office/drawing/2008/diagram" xmlns:p="http://schemas.openxmlformats.org/presentationml/2006/main" autoCompressPictures="0">
+<p:presentation xmlns:a="http://schemas.openxmlformats.org/drawingml/2006/main" xmlns:r="http://schemas.openxmlformats.org/officeDocument/2006/relationships" xmlns:p="http://schemas.openxmlformats.org/presentationml/2006/main" autoCompressPictures="0">
   <p:sldMasterIdLst>
     <p:sldMasterId id="2147483648" r:id="rId1"/>
   </p:sldMasterIdLst>
   <p:sldIdLst>
     <p:sldId id="256" r:id="rId2"/>
-    <p:sldId id="280" r:id="rId3"/>
-    <p:sldId id="268" r:id="rId4"/>
-    <p:sldId id="269" r:id="rId5"/>
-    <p:sldId id="270" r:id="rId6"/>
-    <p:sldId id="271" r:id="rId7"/>
-    <p:sldId id="272" r:id="rId8"/>
-    <p:sldId id="273" r:id="rId9"/>
-    <p:sldId id="274" r:id="rId10"/>
-    <p:sldId id="275" r:id="rId11"/>
-    <p:sldId id="276" r:id="rId12"/>
-    <p:sldId id="277" r:id="rId13"/>
-    <p:sldId id="278" r:id="rId14"/>
-    <p:sldId id="279" r:id="rId15"/>
-    <p:sldId id="281" r:id="rId16"/>
-    <p:sldId id="265" r:id="rId17"/>
-    <p:sldId id="257" r:id="rId18"/>
-    <p:sldId id="258" r:id="rId19"/>
-    <p:sldId id="259" r:id="rId20"/>
-    <p:sldId id="260" r:id="rId21"/>
-    <p:sldId id="261" r:id="rId22"/>
-    <p:sldId id="262" r:id="rId23"/>
-    <p:sldId id="266" r:id="rId24"/>
-    <p:sldId id="263" r:id="rId25"/>
-    <p:sldId id="264" r:id="rId26"/>
-    <p:sldId id="282" r:id="rId27"/>
-    <p:sldId id="283" r:id="rId28"/>
-    <p:sldId id="284" r:id="rId29"/>
-    <p:sldId id="285" r:id="rId30"/>
-    <p:sldId id="286" r:id="rId31"/>
-    <p:sldId id="287" r:id="rId32"/>
+    <p:sldId id="288" r:id="rId3"/>
+    <p:sldId id="280" r:id="rId4"/>
+    <p:sldId id="268" r:id="rId5"/>
+    <p:sldId id="269" r:id="rId6"/>
+    <p:sldId id="270" r:id="rId7"/>
+    <p:sldId id="271" r:id="rId8"/>
+    <p:sldId id="272" r:id="rId9"/>
+    <p:sldId id="273" r:id="rId10"/>
+    <p:sldId id="274" r:id="rId11"/>
+    <p:sldId id="275" r:id="rId12"/>
+    <p:sldId id="276" r:id="rId13"/>
+    <p:sldId id="277" r:id="rId14"/>
+    <p:sldId id="278" r:id="rId15"/>
+    <p:sldId id="279" r:id="rId16"/>
+    <p:sldId id="281" r:id="rId17"/>
+    <p:sldId id="265" r:id="rId18"/>
+    <p:sldId id="257" r:id="rId19"/>
+    <p:sldId id="258" r:id="rId20"/>
+    <p:sldId id="259" r:id="rId21"/>
+    <p:sldId id="260" r:id="rId22"/>
+    <p:sldId id="261" r:id="rId23"/>
+    <p:sldId id="262" r:id="rId24"/>
+    <p:sldId id="266" r:id="rId25"/>
+    <p:sldId id="263" r:id="rId26"/>
+    <p:sldId id="264" r:id="rId27"/>
+    <p:sldId id="282" r:id="rId28"/>
+    <p:sldId id="283" r:id="rId29"/>
+    <p:sldId id="284" r:id="rId30"/>
+    <p:sldId id="285" r:id="rId31"/>
+    <p:sldId id="286" r:id="rId32"/>
+    <p:sldId id="287" r:id="rId33"/>
   </p:sldIdLst>
   <p:sldSz cx="12192000" cy="6858000"/>
   <p:notesSz cx="6858000" cy="9144000"/>
@@ -134,6 +135,11 @@
       </a:defRPr>
     </a:lvl9pPr>
   </p:defaultTextStyle>
+  <p:extLst>
+    <p:ext uri="{EFAFB233-063F-42B5-8137-9DF3F51BA10A}">
+      <p15:sldGuideLst xmlns:p15="http://schemas.microsoft.com/office/powerpoint/2012/main"/>
+    </p:ext>
+  </p:extLst>
 </p:presentation>
 </file>
 
@@ -307,7 +313,7 @@
             <a:fld id="{87DE6118-2437-4B30-8E3C-4D2BE6020583}" type="datetimeFigureOut">
               <a:rPr lang="en-US" dirty="0"/>
               <a:pPr/>
-              <a:t>3/20/2023</a:t>
+              <a:t>3/21/2023</a:t>
             </a:fld>
             <a:endParaRPr lang="en-US" dirty="0"/>
           </a:p>
@@ -633,7 +639,7 @@
           <a:p>
             <a:fld id="{87DE6118-2437-4B30-8E3C-4D2BE6020583}" type="datetimeFigureOut">
               <a:rPr lang="en-US" dirty="0"/>
-              <a:t>3/20/2023</a:t>
+              <a:t>3/21/2023</a:t>
             </a:fld>
             <a:endParaRPr lang="en-US" dirty="0"/>
           </a:p>
@@ -808,7 +814,7 @@
           <a:p>
             <a:fld id="{87DE6118-2437-4B30-8E3C-4D2BE6020583}" type="datetimeFigureOut">
               <a:rPr lang="en-US" dirty="0"/>
-              <a:t>3/20/2023</a:t>
+              <a:t>3/21/2023</a:t>
             </a:fld>
             <a:endParaRPr lang="en-US" dirty="0"/>
           </a:p>
@@ -973,7 +979,7 @@
           <a:p>
             <a:fld id="{87DE6118-2437-4B30-8E3C-4D2BE6020583}" type="datetimeFigureOut">
               <a:rPr lang="en-US" dirty="0"/>
-              <a:t>3/20/2023</a:t>
+              <a:t>3/21/2023</a:t>
             </a:fld>
             <a:endParaRPr lang="en-US" dirty="0"/>
           </a:p>
@@ -1246,7 +1252,7 @@
             <a:fld id="{87DE6118-2437-4B30-8E3C-4D2BE6020583}" type="datetimeFigureOut">
               <a:rPr lang="en-US" dirty="0"/>
               <a:pPr/>
-              <a:t>3/20/2023</a:t>
+              <a:t>3/21/2023</a:t>
             </a:fld>
             <a:endParaRPr lang="en-US" dirty="0"/>
           </a:p>
@@ -1636,7 +1642,7 @@
           <a:p>
             <a:fld id="{87DE6118-2437-4B30-8E3C-4D2BE6020583}" type="datetimeFigureOut">
               <a:rPr lang="en-US" dirty="0"/>
-              <a:t>3/20/2023</a:t>
+              <a:t>3/21/2023</a:t>
             </a:fld>
             <a:endParaRPr lang="en-US" dirty="0"/>
           </a:p>
@@ -2108,7 +2114,7 @@
           <a:p>
             <a:fld id="{87DE6118-2437-4B30-8E3C-4D2BE6020583}" type="datetimeFigureOut">
               <a:rPr lang="en-US" dirty="0"/>
-              <a:t>3/20/2023</a:t>
+              <a:t>3/21/2023</a:t>
             </a:fld>
             <a:endParaRPr lang="en-US" dirty="0"/>
           </a:p>
@@ -2221,7 +2227,7 @@
           <a:p>
             <a:fld id="{87DE6118-2437-4B30-8E3C-4D2BE6020583}" type="datetimeFigureOut">
               <a:rPr lang="en-US" dirty="0"/>
-              <a:t>3/20/2023</a:t>
+              <a:t>3/21/2023</a:t>
             </a:fld>
             <a:endParaRPr lang="en-US" dirty="0"/>
           </a:p>
@@ -2311,7 +2317,7 @@
           <a:p>
             <a:fld id="{87DE6118-2437-4B30-8E3C-4D2BE6020583}" type="datetimeFigureOut">
               <a:rPr lang="en-US" dirty="0"/>
-              <a:t>3/20/2023</a:t>
+              <a:t>3/21/2023</a:t>
             </a:fld>
             <a:endParaRPr lang="en-US" dirty="0"/>
           </a:p>
@@ -2653,7 +2659,7 @@
             <a:fld id="{87DE6118-2437-4B30-8E3C-4D2BE6020583}" type="datetimeFigureOut">
               <a:rPr lang="en-US" dirty="0"/>
               <a:pPr/>
-              <a:t>3/20/2023</a:t>
+              <a:t>3/21/2023</a:t>
             </a:fld>
             <a:endParaRPr lang="en-US" dirty="0"/>
           </a:p>
@@ -3038,7 +3044,7 @@
             <a:fld id="{87DE6118-2437-4B30-8E3C-4D2BE6020583}" type="datetimeFigureOut">
               <a:rPr lang="en-US" dirty="0"/>
               <a:pPr/>
-              <a:t>3/20/2023</a:t>
+              <a:t>3/21/2023</a:t>
             </a:fld>
             <a:endParaRPr lang="en-US" dirty="0"/>
           </a:p>
@@ -3313,7 +3319,7 @@
             <a:fld id="{87DE6118-2437-4B30-8E3C-4D2BE6020583}" type="datetimeFigureOut">
               <a:rPr lang="en-US" dirty="0"/>
               <a:pPr/>
-              <a:t>3/20/2023</a:t>
+              <a:t>3/21/2023</a:t>
             </a:fld>
             <a:endParaRPr lang="en-US" dirty="0"/>
           </a:p>
@@ -3914,7 +3920,7 @@
           <a:p>
             <a:r>
               <a:rPr lang="en-US" altLang="ko-KR" dirty="0" smtClean="0"/>
-              <a:t>#7. PrintEx2</a:t>
+              <a:t>#6. PrintEx1</a:t>
             </a:r>
             <a:endParaRPr lang="ko-KR" altLang="en-US" dirty="0"/>
           </a:p>
@@ -3936,82 +3942,48 @@
         </p:blipFill>
         <p:spPr>
           <a:xfrm>
-            <a:off x="805543" y="881487"/>
-            <a:ext cx="9431066" cy="3658111"/>
+            <a:off x="4546689" y="2300846"/>
+            <a:ext cx="3446964" cy="3200752"/>
           </a:xfrm>
           <a:prstGeom prst="rect">
             <a:avLst/>
           </a:prstGeom>
         </p:spPr>
       </p:pic>
-      <p:pic>
-        <p:nvPicPr>
-          <p:cNvPr id="3" name="그림 2"/>
-          <p:cNvPicPr>
-            <a:picLocks noChangeAspect="1"/>
-          </p:cNvPicPr>
-          <p:nvPr/>
-        </p:nvPicPr>
-        <p:blipFill>
-          <a:blip r:embed="rId3"/>
-          <a:stretch>
-            <a:fillRect/>
-          </a:stretch>
-        </p:blipFill>
-        <p:spPr>
-          <a:xfrm>
-            <a:off x="6586577" y="4796403"/>
-            <a:ext cx="3650032" cy="1963625"/>
-          </a:xfrm>
-          <a:prstGeom prst="rect">
-            <a:avLst/>
-          </a:prstGeom>
-        </p:spPr>
-      </p:pic>
-      <p:sp>
-        <p:nvSpPr>
-          <p:cNvPr id="5" name="위로 굽은 화살표 4"/>
-          <p:cNvSpPr/>
-          <p:nvPr/>
-        </p:nvSpPr>
-        <p:spPr>
-          <a:xfrm rot="5400000">
-            <a:off x="4824782" y="5277197"/>
-            <a:ext cx="1392588" cy="680444"/>
-          </a:xfrm>
-          <a:prstGeom prst="bentUpArrow">
-            <a:avLst/>
-          </a:prstGeom>
-        </p:spPr>
-        <p:style>
-          <a:lnRef idx="2">
-            <a:schemeClr val="accent1">
-              <a:shade val="50000"/>
-            </a:schemeClr>
-          </a:lnRef>
-          <a:fillRef idx="1">
-            <a:schemeClr val="accent1"/>
-          </a:fillRef>
-          <a:effectRef idx="0">
-            <a:schemeClr val="accent1"/>
-          </a:effectRef>
-          <a:fontRef idx="minor">
-            <a:schemeClr val="lt1"/>
-          </a:fontRef>
-        </p:style>
-        <p:txBody>
-          <a:bodyPr rtlCol="0" anchor="ctr"/>
+      <p:sp>
+        <p:nvSpPr>
+          <p:cNvPr id="5" name="TextBox 4"/>
+          <p:cNvSpPr txBox="1"/>
+          <p:nvPr/>
+        </p:nvSpPr>
+        <p:spPr>
+          <a:xfrm>
+            <a:off x="5682546" y="1755589"/>
+            <a:ext cx="1175250" cy="369332"/>
+          </a:xfrm>
+          <a:prstGeom prst="rect">
+            <a:avLst/>
+          </a:prstGeom>
+          <a:noFill/>
+        </p:spPr>
+        <p:txBody>
+          <a:bodyPr wrap="square" rtlCol="0">
+            <a:spAutoFit/>
+          </a:bodyPr>
           <a:lstStyle/>
           <a:p>
-            <a:pPr algn="ctr"/>
-            <a:endParaRPr lang="ko-KR" altLang="en-US"/>
+            <a:r>
+              <a:rPr lang="ko-KR" altLang="en-US" dirty="0" smtClean="0"/>
+              <a:t>출력 결과</a:t>
+            </a:r>
+            <a:endParaRPr lang="ko-KR" altLang="en-US" dirty="0"/>
           </a:p>
         </p:txBody>
       </p:sp>
     </p:spTree>
     <p:extLst>
       <p:ext uri="{BB962C8B-B14F-4D97-AF65-F5344CB8AC3E}">
-        <p14:creationId xmlns:p14="http://schemas.microsoft.com/office/powerpoint/2010/main" val="1355115037"/>
+        <p14:creationId xmlns:p14="http://schemas.microsoft.com/office/powerpoint/2010/main" val="807857737"/>
       </p:ext>
     </p:extLst>
   </p:cSld>
@@ -4069,11 +4041,7 @@
           <a:p>
             <a:r>
               <a:rPr lang="en-US" altLang="ko-KR" dirty="0" smtClean="0"/>
-              <a:t>#8. </a:t>
-            </a:r>
-            <a:r>
-              <a:rPr lang="en-US" altLang="ko-KR" dirty="0" err="1" smtClean="0"/>
-              <a:t>OverflowEx</a:t>
+              <a:t>#7. PrintEx2</a:t>
             </a:r>
             <a:endParaRPr lang="ko-KR" altLang="en-US" dirty="0"/>
           </a:p>
@@ -4095,8 +4063,8 @@
         </p:blipFill>
         <p:spPr>
           <a:xfrm>
-            <a:off x="805543" y="949520"/>
-            <a:ext cx="9221487" cy="3696216"/>
+            <a:off x="805543" y="881487"/>
+            <a:ext cx="9431066" cy="3658111"/>
           </a:xfrm>
           <a:prstGeom prst="rect">
             <a:avLst/>
@@ -4119,8 +4087,8 @@
         </p:blipFill>
         <p:spPr>
           <a:xfrm>
-            <a:off x="6708150" y="4856030"/>
-            <a:ext cx="2197651" cy="2001970"/>
+            <a:off x="6586577" y="4796403"/>
+            <a:ext cx="3650032" cy="1963625"/>
           </a:xfrm>
           <a:prstGeom prst="rect">
             <a:avLst/>
@@ -4135,7 +4103,7 @@
         </p:nvSpPr>
         <p:spPr>
           <a:xfrm rot="5400000">
-            <a:off x="5060214" y="5212102"/>
+            <a:off x="4824782" y="5277197"/>
             <a:ext cx="1392588" cy="680444"/>
           </a:xfrm>
           <a:prstGeom prst="bentUpArrow">
@@ -4170,7 +4138,7 @@
     </p:spTree>
     <p:extLst>
       <p:ext uri="{BB962C8B-B14F-4D97-AF65-F5344CB8AC3E}">
-        <p14:creationId xmlns:p14="http://schemas.microsoft.com/office/powerpoint/2010/main" val="374568851"/>
+        <p14:creationId xmlns:p14="http://schemas.microsoft.com/office/powerpoint/2010/main" val="1355115037"/>
       </p:ext>
     </p:extLst>
   </p:cSld>
@@ -4228,7 +4196,11 @@
           <a:p>
             <a:r>
               <a:rPr lang="en-US" altLang="ko-KR" dirty="0" smtClean="0"/>
-              <a:t>#9. CastingEx1</a:t>
+              <a:t>#8. </a:t>
+            </a:r>
+            <a:r>
+              <a:rPr lang="en-US" altLang="ko-KR" dirty="0" err="1" smtClean="0"/>
+              <a:t>OverflowEx</a:t>
             </a:r>
             <a:endParaRPr lang="ko-KR" altLang="en-US" dirty="0"/>
           </a:p>
@@ -4250,8 +4222,8 @@
         </p:blipFill>
         <p:spPr>
           <a:xfrm>
-            <a:off x="805543" y="1627999"/>
-            <a:ext cx="8942857" cy="1844544"/>
+            <a:off x="805543" y="949520"/>
+            <a:ext cx="9221487" cy="3696216"/>
           </a:xfrm>
           <a:prstGeom prst="rect">
             <a:avLst/>
@@ -4274,8 +4246,8 @@
         </p:blipFill>
         <p:spPr>
           <a:xfrm>
-            <a:off x="6461972" y="4759754"/>
-            <a:ext cx="2007113" cy="802845"/>
+            <a:off x="6708150" y="4856030"/>
+            <a:ext cx="2197651" cy="2001970"/>
           </a:xfrm>
           <a:prstGeom prst="rect">
             <a:avLst/>
@@ -4290,7 +4262,7 @@
         </p:nvSpPr>
         <p:spPr>
           <a:xfrm rot="5400000">
-            <a:off x="4798957" y="4260360"/>
+            <a:off x="5060214" y="5212102"/>
             <a:ext cx="1392588" cy="680444"/>
           </a:xfrm>
           <a:prstGeom prst="bentUpArrow">
@@ -4325,7 +4297,7 @@
     </p:spTree>
     <p:extLst>
       <p:ext uri="{BB962C8B-B14F-4D97-AF65-F5344CB8AC3E}">
-        <p14:creationId xmlns:p14="http://schemas.microsoft.com/office/powerpoint/2010/main" val="3889306119"/>
+        <p14:creationId xmlns:p14="http://schemas.microsoft.com/office/powerpoint/2010/main" val="374568851"/>
       </p:ext>
     </p:extLst>
   </p:cSld>
@@ -4383,7 +4355,7 @@
           <a:p>
             <a:r>
               <a:rPr lang="en-US" altLang="ko-KR" dirty="0" smtClean="0"/>
-              <a:t>#10. CastingEx2</a:t>
+              <a:t>#9. CastingEx1</a:t>
             </a:r>
             <a:endParaRPr lang="ko-KR" altLang="en-US" dirty="0"/>
           </a:p>
@@ -4391,7 +4363,7 @@
       </p:sp>
       <p:pic>
         <p:nvPicPr>
-          <p:cNvPr id="3" name="그림 2"/>
+          <p:cNvPr id="2" name="그림 1"/>
           <p:cNvPicPr>
             <a:picLocks noChangeAspect="1"/>
           </p:cNvPicPr>
@@ -4405,8 +4377,32 @@
         </p:blipFill>
         <p:spPr>
           <a:xfrm>
-            <a:off x="7146229" y="5197787"/>
-            <a:ext cx="4500277" cy="1235670"/>
+            <a:off x="805543" y="1627999"/>
+            <a:ext cx="8942857" cy="1844544"/>
+          </a:xfrm>
+          <a:prstGeom prst="rect">
+            <a:avLst/>
+          </a:prstGeom>
+        </p:spPr>
+      </p:pic>
+      <p:pic>
+        <p:nvPicPr>
+          <p:cNvPr id="3" name="그림 2"/>
+          <p:cNvPicPr>
+            <a:picLocks noChangeAspect="1"/>
+          </p:cNvPicPr>
+          <p:nvPr/>
+        </p:nvPicPr>
+        <p:blipFill>
+          <a:blip r:embed="rId3"/>
+          <a:stretch>
+            <a:fillRect/>
+          </a:stretch>
+        </p:blipFill>
+        <p:spPr>
+          <a:xfrm>
+            <a:off x="6461972" y="4759754"/>
+            <a:ext cx="2007113" cy="802845"/>
           </a:xfrm>
           <a:prstGeom prst="rect">
             <a:avLst/>
@@ -4421,8 +4417,8 @@
         </p:nvSpPr>
         <p:spPr>
           <a:xfrm rot="5400000">
-            <a:off x="5787770" y="5014990"/>
-            <a:ext cx="1269162" cy="680444"/>
+            <a:off x="4798957" y="4260360"/>
+            <a:ext cx="1392588" cy="680444"/>
           </a:xfrm>
           <a:prstGeom prst="bentUpArrow">
             <a:avLst/>
@@ -4453,34 +4449,10 @@
           </a:p>
         </p:txBody>
       </p:sp>
-      <p:pic>
-        <p:nvPicPr>
-          <p:cNvPr id="6" name="그림 5"/>
-          <p:cNvPicPr>
-            <a:picLocks noChangeAspect="1"/>
-          </p:cNvPicPr>
-          <p:nvPr/>
-        </p:nvPicPr>
-        <p:blipFill>
-          <a:blip r:embed="rId3"/>
-          <a:stretch>
-            <a:fillRect/>
-          </a:stretch>
-        </p:blipFill>
-        <p:spPr>
-          <a:xfrm>
-            <a:off x="805543" y="1058703"/>
-            <a:ext cx="10840963" cy="3172268"/>
-          </a:xfrm>
-          <a:prstGeom prst="rect">
-            <a:avLst/>
-          </a:prstGeom>
-        </p:spPr>
-      </p:pic>
     </p:spTree>
     <p:extLst>
       <p:ext uri="{BB962C8B-B14F-4D97-AF65-F5344CB8AC3E}">
-        <p14:creationId xmlns:p14="http://schemas.microsoft.com/office/powerpoint/2010/main" val="1025842813"/>
+        <p14:creationId xmlns:p14="http://schemas.microsoft.com/office/powerpoint/2010/main" val="3889306119"/>
       </p:ext>
     </p:extLst>
   </p:cSld>
@@ -4498,7 +4470,7 @@
 </file>
 
 <file path=ppt/slides/slide14.xml><?xml version="1.0" encoding="utf-8"?>
-<p:sld xmlns:r="http://schemas.openxmlformats.org/officeDocument/2006/relationships" xmlns:c="http://schemas.openxmlformats.org/drawingml/2006/chart" xmlns:a="http://schemas.openxmlformats.org/drawingml/2006/main" xmlns:dgm="http://schemas.openxmlformats.org/drawingml/2006/diagram" xmlns:dsp="http://schemas.microsoft.com/office/drawing/2008/diagram" xmlns:p="http://schemas.openxmlformats.org/presentationml/2006/main">
+<p:sld xmlns:a="http://schemas.openxmlformats.org/drawingml/2006/main" xmlns:r="http://schemas.openxmlformats.org/officeDocument/2006/relationships" xmlns:p="http://schemas.openxmlformats.org/presentationml/2006/main">
   <p:cSld>
     <p:spTree>
       <p:nvGrpSpPr>
@@ -4537,12 +4509,8 @@
           <a:lstStyle/>
           <a:p>
             <a:r>
-              <a:rPr lang="en-US" altLang="ko-KR" dirty="0"/>
-              <a:t>#</a:t>
-            </a:r>
-            <a:r>
               <a:rPr lang="en-US" altLang="ko-KR" dirty="0" smtClean="0"/>
-              <a:t>11. CastingEx3</a:t>
+              <a:t>#10. CastingEx2</a:t>
             </a:r>
             <a:endParaRPr lang="ko-KR" altLang="en-US" dirty="0"/>
           </a:p>
@@ -4550,7 +4518,7 @@
       </p:sp>
       <p:pic>
         <p:nvPicPr>
-          <p:cNvPr id="2" name="그림 1"/>
+          <p:cNvPr id="3" name="그림 2"/>
           <p:cNvPicPr>
             <a:picLocks noChangeAspect="1"/>
           </p:cNvPicPr>
@@ -4564,32 +4532,8 @@
         </p:blipFill>
         <p:spPr>
           <a:xfrm>
-            <a:off x="805543" y="1994905"/>
-            <a:ext cx="11386457" cy="2018737"/>
-          </a:xfrm>
-          <a:prstGeom prst="rect">
-            <a:avLst/>
-          </a:prstGeom>
-        </p:spPr>
-      </p:pic>
-      <p:pic>
-        <p:nvPicPr>
-          <p:cNvPr id="3" name="그림 2"/>
-          <p:cNvPicPr>
-            <a:picLocks noChangeAspect="1"/>
-          </p:cNvPicPr>
-          <p:nvPr/>
-        </p:nvPicPr>
-        <p:blipFill>
-          <a:blip r:embed="rId3"/>
-          <a:stretch>
-            <a:fillRect/>
-          </a:stretch>
-        </p:blipFill>
-        <p:spPr>
-          <a:xfrm>
-            <a:off x="7756002" y="5021111"/>
-            <a:ext cx="4058980" cy="974951"/>
+            <a:off x="7146229" y="5197787"/>
+            <a:ext cx="4500277" cy="1235670"/>
           </a:xfrm>
           <a:prstGeom prst="rect">
             <a:avLst/>
@@ -4604,7 +4548,7 @@
         </p:nvSpPr>
         <p:spPr>
           <a:xfrm rot="5400000">
-            <a:off x="6307363" y="4784543"/>
+            <a:off x="5787770" y="5014990"/>
             <a:ext cx="1269162" cy="680444"/>
           </a:xfrm>
           <a:prstGeom prst="bentUpArrow">
@@ -4636,22 +4580,106 @@
           </a:p>
         </p:txBody>
       </p:sp>
+      <p:pic>
+        <p:nvPicPr>
+          <p:cNvPr id="6" name="그림 5"/>
+          <p:cNvPicPr>
+            <a:picLocks noChangeAspect="1"/>
+          </p:cNvPicPr>
+          <p:nvPr/>
+        </p:nvPicPr>
+        <p:blipFill>
+          <a:blip r:embed="rId3"/>
+          <a:stretch>
+            <a:fillRect/>
+          </a:stretch>
+        </p:blipFill>
+        <p:spPr>
+          <a:xfrm>
+            <a:off x="805543" y="1024161"/>
+            <a:ext cx="10840963" cy="3172268"/>
+          </a:xfrm>
+          <a:prstGeom prst="rect">
+            <a:avLst/>
+          </a:prstGeom>
+        </p:spPr>
+      </p:pic>
+      <p:sp>
+        <p:nvSpPr>
+          <p:cNvPr id="2" name="타원 1"/>
+          <p:cNvSpPr/>
+          <p:nvPr/>
+        </p:nvSpPr>
+        <p:spPr>
+          <a:xfrm>
+            <a:off x="1186543" y="5086279"/>
+            <a:ext cx="4408714" cy="1458686"/>
+          </a:xfrm>
+          <a:prstGeom prst="ellipse">
+            <a:avLst/>
+          </a:prstGeom>
+        </p:spPr>
+        <p:style>
+          <a:lnRef idx="2">
+            <a:schemeClr val="accent1">
+              <a:shade val="50000"/>
+            </a:schemeClr>
+          </a:lnRef>
+          <a:fillRef idx="1">
+            <a:schemeClr val="accent1"/>
+          </a:fillRef>
+          <a:effectRef idx="0">
+            <a:schemeClr val="accent1"/>
+          </a:effectRef>
+          <a:fontRef idx="minor">
+            <a:schemeClr val="lt1"/>
+          </a:fontRef>
+        </p:style>
+        <p:txBody>
+          <a:bodyPr rtlCol="0" anchor="ctr"/>
+          <a:lstStyle/>
+          <a:p>
+            <a:pPr algn="ctr"/>
+            <a:r>
+              <a:rPr lang="en-US" altLang="ko-KR" dirty="0" err="1" smtClean="0"/>
+              <a:t>i</a:t>
+            </a:r>
+            <a:r>
+              <a:rPr lang="ko-KR" altLang="en-US" dirty="0" smtClean="0"/>
+              <a:t>가 저렇게 출력되는 이유는 </a:t>
+            </a:r>
+            <a:r>
+              <a:rPr lang="en-US" altLang="ko-KR" dirty="0" smtClean="0"/>
+              <a:t>2</a:t>
+            </a:r>
+            <a:r>
+              <a:rPr lang="ko-KR" altLang="en-US" dirty="0" smtClean="0"/>
+              <a:t>의 보수이기 때문이다</a:t>
+            </a:r>
+            <a:r>
+              <a:rPr lang="en-US" altLang="ko-KR" dirty="0" smtClean="0"/>
+              <a:t>.</a:t>
+            </a:r>
+            <a:endParaRPr lang="ko-KR" altLang="en-US" dirty="0"/>
+          </a:p>
+        </p:txBody>
+      </p:sp>
       <p:cxnSp>
         <p:nvCxnSpPr>
-          <p:cNvPr id="7" name="화살표 6"/>
+          <p:cNvPr id="8" name="직선 화살표 연결선 7"/>
           <p:cNvCxnSpPr/>
           <p:nvPr/>
         </p:nvCxnSpPr>
         <p:spPr>
-          <a:xfrm rot="10800000" flipV="1">
-            <a:off x="7503650" y="2286603"/>
-            <a:ext cx="446108" cy="6028"/>
+          <a:xfrm flipV="1">
+            <a:off x="4201886" y="3878029"/>
+            <a:ext cx="2438400" cy="1172942"/>
           </a:xfrm>
           <a:prstGeom prst="straightConnector1">
             <a:avLst/>
           </a:prstGeom>
           <a:ln>
-            <a:tailEnd type="arrow"/>
+            <a:tailEnd type="triangle"/>
           </a:ln>
         </p:spPr>
         <p:style>
@@ -4669,133 +4697,10 @@
           </a:fontRef>
         </p:style>
       </p:cxnSp>
-      <p:cxnSp>
-        <p:nvCxnSpPr>
-          <p:cNvPr id="8" name="선 7"/>
-          <p:cNvCxnSpPr/>
-          <p:nvPr/>
-        </p:nvCxnSpPr>
-        <p:spPr>
-          <a:xfrm rot="16200000" flipV="1">
-            <a:off x="7648334" y="1997235"/>
-            <a:ext cx="596819" cy="6028"/>
-          </a:xfrm>
-          <a:prstGeom prst="line">
-            <a:avLst/>
-          </a:prstGeom>
-        </p:spPr>
-        <p:style>
-          <a:lnRef idx="1">
-            <a:schemeClr val="accent1"/>
-          </a:lnRef>
-          <a:fillRef idx="0">
-            <a:schemeClr val="accent1"/>
-          </a:fillRef>
-          <a:effectRef idx="0">
-            <a:schemeClr val="accent1"/>
-          </a:effectRef>
-          <a:fontRef idx="minor">
-            <a:schemeClr val="tx1"/>
-          </a:fontRef>
-        </p:style>
-      </p:cxnSp>
-      <p:sp>
-        <p:nvSpPr>
-          <p:cNvPr id="9" name="직사각형 8"/>
-          <p:cNvSpPr/>
-          <p:nvPr/>
-        </p:nvSpPr>
-        <p:spPr>
-          <a:xfrm>
-            <a:off x="4904279" y="1038496"/>
-            <a:ext cx="6041761" cy="663343"/>
-          </a:xfrm>
-          <a:prstGeom prst="rect">
-            <a:avLst/>
-          </a:prstGeom>
-          <a:solidFill>
-            <a:schemeClr val="accent1"/>
-          </a:solidFill>
-          <a:ln>
-            <a:solidFill>
-              <a:schemeClr val="accent1"/>
-            </a:solidFill>
-          </a:ln>
-        </p:spPr>
-        <p:style>
-          <a:lnRef idx="2">
-            <a:schemeClr val="accent1">
-              <a:shade val="20000"/>
-            </a:schemeClr>
-          </a:lnRef>
-          <a:fillRef idx="1">
-            <a:schemeClr val="accent1"/>
-          </a:fillRef>
-          <a:effectRef idx="0">
-            <a:schemeClr val="accent1"/>
-          </a:effectRef>
-          <a:fontRef idx="minor">
-            <a:schemeClr val="lt1"/>
-          </a:fontRef>
-        </p:style>
-        <p:txBody>
-          <a:bodyPr anchor="ctr"/>
-          <a:p>
-            <a:pPr lvl="0" algn="ctr">
-              <a:defRPr/>
-            </a:pPr>
-            <a:r>
-              <a:rPr lang="en-US" altLang="ko-KR"/>
-              <a:t>float</a:t>
-            </a:r>
-            <a:r>
-              <a:rPr lang="ko-KR" altLang="en-US"/>
-              <a:t>형은 소수점 </a:t>
-            </a:r>
-            <a:r>
-              <a:rPr lang="en-US" altLang="ko-KR"/>
-              <a:t>6</a:t>
-            </a:r>
-            <a:r>
-              <a:rPr lang="ko-KR" altLang="en-US"/>
-              <a:t>번째 자리까지 표현이 가능하지만</a:t>
-            </a:r>
-            <a:r>
-              <a:rPr lang="en-US" altLang="ko-KR"/>
-              <a:t>,</a:t>
-            </a:r>
-            <a:r>
-              <a:rPr lang="ko-KR" altLang="en-US"/>
-              <a:t> </a:t>
-            </a:r>
-            <a:r>
-              <a:rPr lang="en-US" altLang="ko-KR"/>
-              <a:t>double</a:t>
-            </a:r>
-            <a:r>
-              <a:rPr lang="ko-KR" altLang="en-US"/>
-              <a:t>형은 소수점 </a:t>
-            </a:r>
-            <a:r>
-              <a:rPr lang="en-US" altLang="ko-KR"/>
-              <a:t>15</a:t>
-            </a:r>
-            <a:r>
-              <a:rPr lang="ko-KR" altLang="en-US"/>
-              <a:t>번째 자리까지 표현이 가능하다</a:t>
-            </a:r>
-            <a:r>
-              <a:rPr lang="en-US" altLang="ko-KR"/>
-              <a:t>.</a:t>
-            </a:r>
-            <a:endParaRPr lang="en-US" altLang="ko-KR"/>
-          </a:p>
-        </p:txBody>
-      </p:sp>
     </p:spTree>
     <p:extLst>
       <p:ext uri="{BB962C8B-B14F-4D97-AF65-F5344CB8AC3E}">
-        <p14:creationId xmlns:p14="http://schemas.microsoft.com/office/powerpoint/2010/main" val="1110291054"/>
+        <p14:creationId xmlns:p14="http://schemas.microsoft.com/office/powerpoint/2010/main" val="1025842813"/>
       </p:ext>
     </p:extLst>
   </p:cSld>
@@ -4857,7 +4762,7 @@
             </a:r>
             <a:r>
               <a:rPr lang="en-US" altLang="ko-KR" dirty="0" smtClean="0"/>
-              <a:t>12. CastingEx4</a:t>
+              <a:t>11. CastingEx3</a:t>
             </a:r>
             <a:endParaRPr lang="ko-KR" altLang="en-US" dirty="0"/>
           </a:p>
@@ -4879,8 +4784,8 @@
         </p:blipFill>
         <p:spPr>
           <a:xfrm>
-            <a:off x="805543" y="1008712"/>
-            <a:ext cx="9296400" cy="4051471"/>
+            <a:off x="805543" y="1994905"/>
+            <a:ext cx="11386457" cy="2018737"/>
           </a:xfrm>
           <a:prstGeom prst="rect">
             <a:avLst/>
@@ -4903,8 +4808,8 @@
         </p:blipFill>
         <p:spPr>
           <a:xfrm>
-            <a:off x="6178388" y="5645135"/>
-            <a:ext cx="3923555" cy="951608"/>
+            <a:off x="7756002" y="5021111"/>
+            <a:ext cx="4058980" cy="974951"/>
           </a:xfrm>
           <a:prstGeom prst="rect">
             <a:avLst/>
@@ -4919,8 +4824,8 @@
         </p:nvSpPr>
         <p:spPr>
           <a:xfrm rot="5400000">
-            <a:off x="4810978" y="5442727"/>
-            <a:ext cx="1083302" cy="680444"/>
+            <a:off x="6307363" y="4784543"/>
+            <a:ext cx="1269162" cy="680444"/>
           </a:xfrm>
           <a:prstGeom prst="bentUpArrow">
             <a:avLst/>
@@ -4951,10 +4856,166 @@
           </a:p>
         </p:txBody>
       </p:sp>
+      <p:cxnSp>
+        <p:nvCxnSpPr>
+          <p:cNvPr id="7" name="화살표 6"/>
+          <p:cNvCxnSpPr/>
+          <p:nvPr/>
+        </p:nvCxnSpPr>
+        <p:spPr>
+          <a:xfrm rot="10800000" flipV="1">
+            <a:off x="7503650" y="2286603"/>
+            <a:ext cx="446108" cy="6028"/>
+          </a:xfrm>
+          <a:prstGeom prst="straightConnector1">
+            <a:avLst/>
+          </a:prstGeom>
+          <a:ln>
+            <a:tailEnd type="arrow"/>
+          </a:ln>
+        </p:spPr>
+        <p:style>
+          <a:lnRef idx="1">
+            <a:schemeClr val="accent1"/>
+          </a:lnRef>
+          <a:fillRef idx="0">
+            <a:schemeClr val="accent1"/>
+          </a:fillRef>
+          <a:effectRef idx="0">
+            <a:schemeClr val="accent1"/>
+          </a:effectRef>
+          <a:fontRef idx="minor">
+            <a:schemeClr val="tx1"/>
+          </a:fontRef>
+        </p:style>
+      </p:cxnSp>
+      <p:cxnSp>
+        <p:nvCxnSpPr>
+          <p:cNvPr id="8" name="선 7"/>
+          <p:cNvCxnSpPr/>
+          <p:nvPr/>
+        </p:nvCxnSpPr>
+        <p:spPr>
+          <a:xfrm rot="16200000" flipV="1">
+            <a:off x="7648334" y="1997235"/>
+            <a:ext cx="596819" cy="6028"/>
+          </a:xfrm>
+          <a:prstGeom prst="line">
+            <a:avLst/>
+          </a:prstGeom>
+        </p:spPr>
+        <p:style>
+          <a:lnRef idx="1">
+            <a:schemeClr val="accent1"/>
+          </a:lnRef>
+          <a:fillRef idx="0">
+            <a:schemeClr val="accent1"/>
+          </a:fillRef>
+          <a:effectRef idx="0">
+            <a:schemeClr val="accent1"/>
+          </a:effectRef>
+          <a:fontRef idx="minor">
+            <a:schemeClr val="tx1"/>
+          </a:fontRef>
+        </p:style>
+      </p:cxnSp>
+      <p:sp>
+        <p:nvSpPr>
+          <p:cNvPr id="9" name="직사각형 8"/>
+          <p:cNvSpPr/>
+          <p:nvPr/>
+        </p:nvSpPr>
+        <p:spPr>
+          <a:xfrm>
+            <a:off x="4904279" y="1038496"/>
+            <a:ext cx="6041761" cy="663343"/>
+          </a:xfrm>
+          <a:prstGeom prst="rect">
+            <a:avLst/>
+          </a:prstGeom>
+          <a:solidFill>
+            <a:schemeClr val="accent1"/>
+          </a:solidFill>
+          <a:ln>
+            <a:solidFill>
+              <a:schemeClr val="accent1"/>
+            </a:solidFill>
+          </a:ln>
+        </p:spPr>
+        <p:style>
+          <a:lnRef idx="2">
+            <a:schemeClr val="accent1">
+              <a:shade val="20000"/>
+            </a:schemeClr>
+          </a:lnRef>
+          <a:fillRef idx="1">
+            <a:schemeClr val="accent1"/>
+          </a:fillRef>
+          <a:effectRef idx="0">
+            <a:schemeClr val="accent1"/>
+          </a:effectRef>
+          <a:fontRef idx="minor">
+            <a:schemeClr val="lt1"/>
+          </a:fontRef>
+        </p:style>
+        <p:txBody>
+          <a:bodyPr anchor="ctr"/>
+          <a:lstStyle/>
+          <a:p>
+            <a:pPr lvl="0" algn="ctr">
+              <a:defRPr/>
+            </a:pPr>
+            <a:r>
+              <a:rPr lang="en-US" altLang="ko-KR"/>
+              <a:t>float</a:t>
+            </a:r>
+            <a:r>
+              <a:rPr lang="ko-KR" altLang="en-US"/>
+              <a:t>형은 소수점 </a:t>
+            </a:r>
+            <a:r>
+              <a:rPr lang="en-US" altLang="ko-KR"/>
+              <a:t>6</a:t>
+            </a:r>
+            <a:r>
+              <a:rPr lang="ko-KR" altLang="en-US"/>
+              <a:t>번째 자리까지 표현이 가능하지만</a:t>
+            </a:r>
+            <a:r>
+              <a:rPr lang="en-US" altLang="ko-KR"/>
+              <a:t>,</a:t>
+            </a:r>
+            <a:r>
+              <a:rPr lang="ko-KR" altLang="en-US"/>
+              <a:t> </a:t>
+            </a:r>
+            <a:r>
+              <a:rPr lang="en-US" altLang="ko-KR"/>
+              <a:t>double</a:t>
+            </a:r>
+            <a:r>
+              <a:rPr lang="ko-KR" altLang="en-US"/>
+              <a:t>형은 소수점 </a:t>
+            </a:r>
+            <a:r>
+              <a:rPr lang="en-US" altLang="ko-KR"/>
+              <a:t>15</a:t>
+            </a:r>
+            <a:r>
+              <a:rPr lang="ko-KR" altLang="en-US"/>
+              <a:t>번째 자리까지 표현이 가능하다</a:t>
+            </a:r>
+            <a:r>
+              <a:rPr lang="en-US" altLang="ko-KR"/>
+              <a:t>.</a:t>
+            </a:r>
+          </a:p>
+        </p:txBody>
+      </p:sp>
     </p:spTree>
     <p:extLst>
       <p:ext uri="{BB962C8B-B14F-4D97-AF65-F5344CB8AC3E}">
-        <p14:creationId xmlns:p14="http://schemas.microsoft.com/office/powerpoint/2010/main" val="3208387113"/>
+        <p14:creationId xmlns:p14="http://schemas.microsoft.com/office/powerpoint/2010/main" val="1110291054"/>
       </p:ext>
     </p:extLst>
   </p:cSld>
@@ -4990,14 +5051,14 @@
       </p:grpSpPr>
       <p:sp>
         <p:nvSpPr>
-          <p:cNvPr id="5" name="TextBox 4"/>
+          <p:cNvPr id="4" name="TextBox 3"/>
           <p:cNvSpPr txBox="1"/>
           <p:nvPr/>
         </p:nvSpPr>
         <p:spPr>
           <a:xfrm>
-            <a:off x="5747658" y="3124200"/>
-            <a:ext cx="1317172" cy="923330"/>
+            <a:off x="805543" y="130628"/>
+            <a:ext cx="5464628" cy="369332"/>
           </a:xfrm>
           <a:prstGeom prst="rect">
             <a:avLst/>
@@ -5011,21 +5072,109 @@
           <a:lstStyle/>
           <a:p>
             <a:r>
-              <a:rPr lang="en-US" altLang="ko-KR" sz="5400" dirty="0" smtClean="0"/>
-              <a:t>3</a:t>
-            </a:r>
-            <a:r>
-              <a:rPr lang="ko-KR" altLang="en-US" sz="5400" dirty="0" smtClean="0"/>
-              <a:t>강</a:t>
-            </a:r>
-            <a:endParaRPr lang="ko-KR" altLang="en-US" sz="5400" dirty="0"/>
+              <a:rPr lang="en-US" altLang="ko-KR" dirty="0"/>
+              <a:t>#</a:t>
+            </a:r>
+            <a:r>
+              <a:rPr lang="en-US" altLang="ko-KR" dirty="0" smtClean="0"/>
+              <a:t>12. CastingEx4</a:t>
+            </a:r>
+            <a:endParaRPr lang="ko-KR" altLang="en-US" dirty="0"/>
+          </a:p>
+        </p:txBody>
+      </p:sp>
+      <p:pic>
+        <p:nvPicPr>
+          <p:cNvPr id="2" name="그림 1"/>
+          <p:cNvPicPr>
+            <a:picLocks noChangeAspect="1"/>
+          </p:cNvPicPr>
+          <p:nvPr/>
+        </p:nvPicPr>
+        <p:blipFill>
+          <a:blip r:embed="rId2"/>
+          <a:stretch>
+            <a:fillRect/>
+          </a:stretch>
+        </p:blipFill>
+        <p:spPr>
+          <a:xfrm>
+            <a:off x="805543" y="1008712"/>
+            <a:ext cx="9296400" cy="4051471"/>
+          </a:xfrm>
+          <a:prstGeom prst="rect">
+            <a:avLst/>
+          </a:prstGeom>
+        </p:spPr>
+      </p:pic>
+      <p:pic>
+        <p:nvPicPr>
+          <p:cNvPr id="3" name="그림 2"/>
+          <p:cNvPicPr>
+            <a:picLocks noChangeAspect="1"/>
+          </p:cNvPicPr>
+          <p:nvPr/>
+        </p:nvPicPr>
+        <p:blipFill>
+          <a:blip r:embed="rId3"/>
+          <a:stretch>
+            <a:fillRect/>
+          </a:stretch>
+        </p:blipFill>
+        <p:spPr>
+          <a:xfrm>
+            <a:off x="6178388" y="5645135"/>
+            <a:ext cx="3923555" cy="951608"/>
+          </a:xfrm>
+          <a:prstGeom prst="rect">
+            <a:avLst/>
+          </a:prstGeom>
+        </p:spPr>
+      </p:pic>
+      <p:sp>
+        <p:nvSpPr>
+          <p:cNvPr id="5" name="위로 굽은 화살표 4"/>
+          <p:cNvSpPr/>
+          <p:nvPr/>
+        </p:nvSpPr>
+        <p:spPr>
+          <a:xfrm rot="5400000">
+            <a:off x="4810978" y="5442727"/>
+            <a:ext cx="1083302" cy="680444"/>
+          </a:xfrm>
+          <a:prstGeom prst="bentUpArrow">
+            <a:avLst/>
+          </a:prstGeom>
+        </p:spPr>
+        <p:style>
+          <a:lnRef idx="2">
+            <a:schemeClr val="accent1">
+              <a:shade val="50000"/>
+            </a:schemeClr>
+          </a:lnRef>
+          <a:fillRef idx="1">
+            <a:schemeClr val="accent1"/>
+          </a:fillRef>
+          <a:effectRef idx="0">
+            <a:schemeClr val="accent1"/>
+          </a:effectRef>
+          <a:fontRef idx="minor">
+            <a:schemeClr val="lt1"/>
+          </a:fontRef>
+        </p:style>
+        <p:txBody>
+          <a:bodyPr rtlCol="0" anchor="ctr"/>
+          <a:lstStyle/>
+          <a:p>
+            <a:pPr algn="ctr"/>
+            <a:endParaRPr lang="ko-KR" altLang="en-US"/>
           </a:p>
         </p:txBody>
       </p:sp>
     </p:spTree>
     <p:extLst>
       <p:ext uri="{BB962C8B-B14F-4D97-AF65-F5344CB8AC3E}">
-        <p14:creationId xmlns:p14="http://schemas.microsoft.com/office/powerpoint/2010/main" val="3496719165"/>
+        <p14:creationId xmlns:p14="http://schemas.microsoft.com/office/powerpoint/2010/main" val="3208387113"/>
       </p:ext>
     </p:extLst>
   </p:cSld>
@@ -5061,14 +5210,14 @@
       </p:grpSpPr>
       <p:sp>
         <p:nvSpPr>
-          <p:cNvPr id="4" name="TextBox 3"/>
+          <p:cNvPr id="5" name="TextBox 4"/>
           <p:cNvSpPr txBox="1"/>
           <p:nvPr/>
         </p:nvSpPr>
         <p:spPr>
           <a:xfrm>
-            <a:off x="805543" y="130628"/>
-            <a:ext cx="4354286" cy="369332"/>
+            <a:off x="5747658" y="3124200"/>
+            <a:ext cx="1317172" cy="923330"/>
           </a:xfrm>
           <a:prstGeom prst="rect">
             <a:avLst/>
@@ -5082,109 +5231,21 @@
           <a:lstStyle/>
           <a:p>
             <a:r>
-              <a:rPr lang="en-US" altLang="ko-KR" dirty="0" smtClean="0"/>
-              <a:t>#1. </a:t>
-            </a:r>
-            <a:r>
-              <a:rPr lang="ko-KR" altLang="en-US" dirty="0" smtClean="0"/>
-              <a:t>사칙연산에 맞게 연산 후 대입하기</a:t>
-            </a:r>
-            <a:endParaRPr lang="ko-KR" altLang="en-US" dirty="0"/>
-          </a:p>
-        </p:txBody>
-      </p:sp>
-      <p:pic>
-        <p:nvPicPr>
-          <p:cNvPr id="5" name="그림 4"/>
-          <p:cNvPicPr>
-            <a:picLocks noChangeAspect="1"/>
-          </p:cNvPicPr>
-          <p:nvPr/>
-        </p:nvPicPr>
-        <p:blipFill>
-          <a:blip r:embed="rId2"/>
-          <a:stretch>
-            <a:fillRect/>
-          </a:stretch>
-        </p:blipFill>
-        <p:spPr>
-          <a:xfrm>
-            <a:off x="805543" y="1268726"/>
-            <a:ext cx="6907497" cy="2639245"/>
-          </a:xfrm>
-          <a:prstGeom prst="rect">
-            <a:avLst/>
-          </a:prstGeom>
-        </p:spPr>
-      </p:pic>
-      <p:sp>
-        <p:nvSpPr>
-          <p:cNvPr id="6" name="위로 굽은 화살표 5"/>
-          <p:cNvSpPr/>
-          <p:nvPr/>
-        </p:nvSpPr>
-        <p:spPr>
-          <a:xfrm rot="5400000">
-            <a:off x="3954491" y="4746172"/>
-            <a:ext cx="1415143" cy="805544"/>
-          </a:xfrm>
-          <a:prstGeom prst="bentUpArrow">
-            <a:avLst/>
-          </a:prstGeom>
-        </p:spPr>
-        <p:style>
-          <a:lnRef idx="2">
-            <a:schemeClr val="accent1">
-              <a:shade val="50000"/>
-            </a:schemeClr>
-          </a:lnRef>
-          <a:fillRef idx="1">
-            <a:schemeClr val="accent1"/>
-          </a:fillRef>
-          <a:effectRef idx="0">
-            <a:schemeClr val="accent1"/>
-          </a:effectRef>
-          <a:fontRef idx="minor">
-            <a:schemeClr val="lt1"/>
-          </a:fontRef>
-        </p:style>
-        <p:txBody>
-          <a:bodyPr rtlCol="0" anchor="ctr"/>
-          <a:lstStyle/>
-          <a:p>
-            <a:pPr algn="ctr"/>
-            <a:endParaRPr lang="ko-KR" altLang="en-US"/>
-          </a:p>
-        </p:txBody>
-      </p:sp>
-      <p:pic>
-        <p:nvPicPr>
-          <p:cNvPr id="7" name="그림 6"/>
-          <p:cNvPicPr>
-            <a:picLocks noChangeAspect="1"/>
-          </p:cNvPicPr>
-          <p:nvPr/>
-        </p:nvPicPr>
-        <p:blipFill>
-          <a:blip r:embed="rId3"/>
-          <a:stretch>
-            <a:fillRect/>
-          </a:stretch>
-        </p:blipFill>
-        <p:spPr>
-          <a:xfrm>
-            <a:off x="5996615" y="4953000"/>
-            <a:ext cx="2289663" cy="1203542"/>
-          </a:xfrm>
-          <a:prstGeom prst="rect">
-            <a:avLst/>
-          </a:prstGeom>
-        </p:spPr>
-      </p:pic>
+              <a:rPr lang="en-US" altLang="ko-KR" sz="5400" dirty="0" smtClean="0"/>
+              <a:t>3</a:t>
+            </a:r>
+            <a:r>
+              <a:rPr lang="ko-KR" altLang="en-US" sz="5400" dirty="0" smtClean="0"/>
+              <a:t>강</a:t>
+            </a:r>
+            <a:endParaRPr lang="ko-KR" altLang="en-US" sz="5400" dirty="0"/>
+          </a:p>
+        </p:txBody>
+      </p:sp>
     </p:spTree>
     <p:extLst>
       <p:ext uri="{BB962C8B-B14F-4D97-AF65-F5344CB8AC3E}">
-        <p14:creationId xmlns:p14="http://schemas.microsoft.com/office/powerpoint/2010/main" val="705799919"/>
+        <p14:creationId xmlns:p14="http://schemas.microsoft.com/office/powerpoint/2010/main" val="3496719165"/>
       </p:ext>
     </p:extLst>
   </p:cSld>
@@ -5220,7 +5281,7 @@
       </p:grpSpPr>
       <p:sp>
         <p:nvSpPr>
-          <p:cNvPr id="2" name="TextBox 1"/>
+          <p:cNvPr id="4" name="TextBox 3"/>
           <p:cNvSpPr txBox="1"/>
           <p:nvPr/>
         </p:nvSpPr>
@@ -5241,20 +5302,12 @@
           <a:lstStyle/>
           <a:p>
             <a:r>
-              <a:rPr lang="en-US" altLang="ko-KR" dirty="0"/>
-              <a:t>#2. </a:t>
-            </a:r>
-            <a:r>
-              <a:rPr lang="ko-KR" altLang="en-US" dirty="0"/>
-              <a:t>누적하기</a:t>
-            </a:r>
-            <a:r>
-              <a:rPr lang="en-US" altLang="ko-KR" dirty="0"/>
-              <a:t>, </a:t>
+              <a:rPr lang="en-US" altLang="ko-KR" dirty="0" smtClean="0"/>
+              <a:t>#1. </a:t>
             </a:r>
             <a:r>
               <a:rPr lang="ko-KR" altLang="en-US" dirty="0" smtClean="0"/>
-              <a:t>합 구하기</a:t>
+              <a:t>사칙연산에 맞게 연산 후 대입하기</a:t>
             </a:r>
             <a:endParaRPr lang="ko-KR" altLang="en-US" dirty="0"/>
           </a:p>
@@ -5262,7 +5315,7 @@
       </p:sp>
       <p:pic>
         <p:nvPicPr>
-          <p:cNvPr id="3" name="그림 2"/>
+          <p:cNvPr id="5" name="그림 4"/>
           <p:cNvPicPr>
             <a:picLocks noChangeAspect="1"/>
           </p:cNvPicPr>
@@ -5276,50 +5329,26 @@
         </p:blipFill>
         <p:spPr>
           <a:xfrm>
-            <a:off x="805543" y="917431"/>
-            <a:ext cx="7173326" cy="5306165"/>
+            <a:off x="805543" y="1268726"/>
+            <a:ext cx="6907497" cy="2639245"/>
           </a:xfrm>
           <a:prstGeom prst="rect">
             <a:avLst/>
           </a:prstGeom>
         </p:spPr>
       </p:pic>
-      <p:pic>
-        <p:nvPicPr>
-          <p:cNvPr id="4" name="그림 3"/>
-          <p:cNvPicPr>
-            <a:picLocks noChangeAspect="1"/>
-          </p:cNvPicPr>
-          <p:nvPr/>
-        </p:nvPicPr>
-        <p:blipFill>
-          <a:blip r:embed="rId3"/>
-          <a:stretch>
-            <a:fillRect/>
-          </a:stretch>
-        </p:blipFill>
-        <p:spPr>
-          <a:xfrm>
-            <a:off x="10354584" y="3079941"/>
-            <a:ext cx="1837416" cy="981144"/>
-          </a:xfrm>
-          <a:prstGeom prst="rect">
-            <a:avLst/>
-          </a:prstGeom>
-        </p:spPr>
-      </p:pic>
-      <p:sp>
-        <p:nvSpPr>
-          <p:cNvPr id="5" name="오른쪽 화살표 4"/>
+      <p:sp>
+        <p:nvSpPr>
+          <p:cNvPr id="6" name="위로 굽은 화살표 5"/>
           <p:cNvSpPr/>
           <p:nvPr/>
         </p:nvSpPr>
         <p:spPr>
-          <a:xfrm>
-            <a:off x="8388398" y="3282041"/>
-            <a:ext cx="1556657" cy="576943"/>
-          </a:xfrm>
-          <a:prstGeom prst="rightArrow">
+          <a:xfrm rot="5400000">
+            <a:off x="3954491" y="4746172"/>
+            <a:ext cx="1415143" cy="805544"/>
+          </a:xfrm>
+          <a:prstGeom prst="bentUpArrow">
             <a:avLst/>
           </a:prstGeom>
         </p:spPr>
@@ -5348,10 +5377,34 @@
           </a:p>
         </p:txBody>
       </p:sp>
+      <p:pic>
+        <p:nvPicPr>
+          <p:cNvPr id="7" name="그림 6"/>
+          <p:cNvPicPr>
+            <a:picLocks noChangeAspect="1"/>
+          </p:cNvPicPr>
+          <p:nvPr/>
+        </p:nvPicPr>
+        <p:blipFill>
+          <a:blip r:embed="rId3"/>
+          <a:stretch>
+            <a:fillRect/>
+          </a:stretch>
+        </p:blipFill>
+        <p:spPr>
+          <a:xfrm>
+            <a:off x="5996615" y="4953000"/>
+            <a:ext cx="2289663" cy="1203542"/>
+          </a:xfrm>
+          <a:prstGeom prst="rect">
+            <a:avLst/>
+          </a:prstGeom>
+        </p:spPr>
+      </p:pic>
     </p:spTree>
     <p:extLst>
       <p:ext uri="{BB962C8B-B14F-4D97-AF65-F5344CB8AC3E}">
-        <p14:creationId xmlns:p14="http://schemas.microsoft.com/office/powerpoint/2010/main" val="3892431049"/>
+        <p14:creationId xmlns:p14="http://schemas.microsoft.com/office/powerpoint/2010/main" val="705799919"/>
       </p:ext>
     </p:extLst>
   </p:cSld>
@@ -5387,14 +5440,14 @@
       </p:grpSpPr>
       <p:sp>
         <p:nvSpPr>
-          <p:cNvPr id="3" name="TextBox 2"/>
+          <p:cNvPr id="2" name="TextBox 1"/>
           <p:cNvSpPr txBox="1"/>
           <p:nvPr/>
         </p:nvSpPr>
         <p:spPr>
           <a:xfrm>
             <a:off x="805543" y="130628"/>
-            <a:ext cx="5464628" cy="369332"/>
+            <a:ext cx="4354286" cy="369332"/>
           </a:xfrm>
           <a:prstGeom prst="rect">
             <a:avLst/>
@@ -5409,15 +5462,19 @@
           <a:p>
             <a:r>
               <a:rPr lang="en-US" altLang="ko-KR" dirty="0"/>
-              <a:t>#3. </a:t>
+              <a:t>#2. </a:t>
             </a:r>
             <a:r>
               <a:rPr lang="ko-KR" altLang="en-US" dirty="0"/>
-              <a:t>정수형 변수의 나눗셈은 정수범위에서 </a:t>
+              <a:t>누적하기</a:t>
+            </a:r>
+            <a:r>
+              <a:rPr lang="en-US" altLang="ko-KR" dirty="0"/>
+              <a:t>, </a:t>
             </a:r>
             <a:r>
               <a:rPr lang="ko-KR" altLang="en-US" dirty="0" smtClean="0"/>
-              <a:t>버림 처리</a:t>
+              <a:t>합 구하기</a:t>
             </a:r>
             <a:endParaRPr lang="ko-KR" altLang="en-US" dirty="0"/>
           </a:p>
@@ -5425,7 +5482,7 @@
       </p:sp>
       <p:pic>
         <p:nvPicPr>
-          <p:cNvPr id="4" name="그림 3"/>
+          <p:cNvPr id="3" name="그림 2"/>
           <p:cNvPicPr>
             <a:picLocks noChangeAspect="1"/>
           </p:cNvPicPr>
@@ -5439,8 +5496,8 @@
         </p:blipFill>
         <p:spPr>
           <a:xfrm>
-            <a:off x="805543" y="1169280"/>
-            <a:ext cx="7763958" cy="3648584"/>
+            <a:off x="805543" y="917431"/>
+            <a:ext cx="7173326" cy="5306165"/>
           </a:xfrm>
           <a:prstGeom prst="rect">
             <a:avLst/>
@@ -5449,7 +5506,7 @@
       </p:pic>
       <p:pic>
         <p:nvPicPr>
-          <p:cNvPr id="5" name="그림 4"/>
+          <p:cNvPr id="4" name="그림 3"/>
           <p:cNvPicPr>
             <a:picLocks noChangeAspect="1"/>
           </p:cNvPicPr>
@@ -5463,8 +5520,8 @@
         </p:blipFill>
         <p:spPr>
           <a:xfrm>
-            <a:off x="6270171" y="5487184"/>
-            <a:ext cx="4277322" cy="1086002"/>
+            <a:off x="10354584" y="3079941"/>
+            <a:ext cx="1837416" cy="981144"/>
           </a:xfrm>
           <a:prstGeom prst="rect">
             <a:avLst/>
@@ -5473,16 +5530,16 @@
       </p:pic>
       <p:sp>
         <p:nvSpPr>
-          <p:cNvPr id="6" name="위로 굽은 화살표 5"/>
+          <p:cNvPr id="5" name="오른쪽 화살표 4"/>
           <p:cNvSpPr/>
           <p:nvPr/>
         </p:nvSpPr>
         <p:spPr>
-          <a:xfrm rot="5400000">
-            <a:off x="4306522" y="5462843"/>
-            <a:ext cx="1415143" cy="805544"/>
-          </a:xfrm>
-          <a:prstGeom prst="bentUpArrow">
+          <a:xfrm>
+            <a:off x="8388398" y="3282041"/>
+            <a:ext cx="1556657" cy="576943"/>
+          </a:xfrm>
+          <a:prstGeom prst="rightArrow">
             <a:avLst/>
           </a:prstGeom>
         </p:spPr>
@@ -5514,7 +5571,7 @@
     </p:spTree>
     <p:extLst>
       <p:ext uri="{BB962C8B-B14F-4D97-AF65-F5344CB8AC3E}">
-        <p14:creationId xmlns:p14="http://schemas.microsoft.com/office/powerpoint/2010/main" val="3450369544"/>
+        <p14:creationId xmlns:p14="http://schemas.microsoft.com/office/powerpoint/2010/main" val="3892431049"/>
       </p:ext>
     </p:extLst>
   </p:cSld>
@@ -5550,14 +5607,14 @@
       </p:grpSpPr>
       <p:sp>
         <p:nvSpPr>
-          <p:cNvPr id="5" name="TextBox 4"/>
+          <p:cNvPr id="4" name="TextBox 3"/>
           <p:cNvSpPr txBox="1"/>
           <p:nvPr/>
         </p:nvSpPr>
         <p:spPr>
           <a:xfrm>
-            <a:off x="5747658" y="3124200"/>
-            <a:ext cx="1317172" cy="923330"/>
+            <a:off x="4746172" y="2645227"/>
+            <a:ext cx="3701144" cy="1477328"/>
           </a:xfrm>
           <a:prstGeom prst="rect">
             <a:avLst/>
@@ -5571,34 +5628,129 @@
           <a:lstStyle/>
           <a:p>
             <a:r>
-              <a:rPr lang="en-US" altLang="ko-KR" sz="5400" dirty="0"/>
-              <a:t>2</a:t>
-            </a:r>
-            <a:r>
-              <a:rPr lang="ko-KR" altLang="en-US" sz="5400" dirty="0" smtClean="0"/>
-              <a:t>강</a:t>
-            </a:r>
-            <a:endParaRPr lang="ko-KR" altLang="en-US" sz="5400" dirty="0"/>
+              <a:rPr lang="ko-KR" altLang="en-US" dirty="0" smtClean="0"/>
+              <a:t>남 </a:t>
+            </a:r>
+            <a:r>
+              <a:rPr lang="en-US" altLang="ko-KR" dirty="0" smtClean="0"/>
+              <a:t>: </a:t>
+            </a:r>
+            <a:r>
+              <a:rPr lang="ko-KR" altLang="en-US" dirty="0" smtClean="0"/>
+              <a:t>남들이 뭐라 하건</a:t>
+            </a:r>
+            <a:endParaRPr lang="en-US" altLang="ko-KR" dirty="0" smtClean="0"/>
+          </a:p>
+          <a:p>
+            <a:endParaRPr lang="en-US" altLang="ko-KR" dirty="0"/>
+          </a:p>
+          <a:p>
+            <a:r>
+              <a:rPr lang="ko-KR" altLang="en-US" dirty="0" smtClean="0"/>
+              <a:t>정 </a:t>
+            </a:r>
+            <a:r>
+              <a:rPr lang="en-US" altLang="ko-KR" dirty="0" smtClean="0"/>
+              <a:t>: </a:t>
+            </a:r>
+            <a:r>
+              <a:rPr lang="ko-KR" altLang="en-US" dirty="0" smtClean="0"/>
+              <a:t>정도</a:t>
+            </a:r>
+            <a:r>
+              <a:rPr lang="en-US" altLang="ko-KR" dirty="0" smtClean="0"/>
+              <a:t>(</a:t>
+            </a:r>
+            <a:r>
+              <a:rPr lang="ko-KR" altLang="en-US" dirty="0" smtClean="0"/>
+              <a:t>正道</a:t>
+            </a:r>
+            <a:r>
+              <a:rPr lang="en-US" altLang="ko-KR" dirty="0" smtClean="0"/>
+              <a:t>)</a:t>
+            </a:r>
+            <a:r>
+              <a:rPr lang="ko-KR" altLang="en-US" dirty="0" smtClean="0"/>
+              <a:t>를 걷는다</a:t>
+            </a:r>
+            <a:r>
+              <a:rPr lang="en-US" altLang="ko-KR" dirty="0" smtClean="0"/>
+              <a:t>. </a:t>
+            </a:r>
+            <a:r>
+              <a:rPr lang="ko-KR" altLang="en-US" dirty="0" smtClean="0"/>
+              <a:t>그게 바로</a:t>
+            </a:r>
+            <a:endParaRPr lang="en-US" altLang="ko-KR" dirty="0" smtClean="0"/>
+          </a:p>
+          <a:p>
+            <a:endParaRPr lang="en-US" altLang="ko-KR" dirty="0"/>
+          </a:p>
+          <a:p>
+            <a:r>
+              <a:rPr lang="ko-KR" altLang="en-US" dirty="0" smtClean="0"/>
+              <a:t>현 </a:t>
+            </a:r>
+            <a:r>
+              <a:rPr lang="en-US" altLang="ko-KR" dirty="0" smtClean="0"/>
+              <a:t>: </a:t>
+            </a:r>
+            <a:r>
+              <a:rPr lang="ko-KR" altLang="en-US" dirty="0" smtClean="0"/>
+              <a:t>현명한 삶</a:t>
+            </a:r>
+            <a:endParaRPr lang="ko-KR" altLang="en-US" dirty="0"/>
+          </a:p>
+        </p:txBody>
+      </p:sp>
+      <p:sp>
+        <p:nvSpPr>
+          <p:cNvPr id="5" name="TextBox 4"/>
+          <p:cNvSpPr txBox="1"/>
+          <p:nvPr/>
+        </p:nvSpPr>
+        <p:spPr>
+          <a:xfrm>
+            <a:off x="5306787" y="1338944"/>
+            <a:ext cx="1709057" cy="369332"/>
+          </a:xfrm>
+          <a:prstGeom prst="rect">
+            <a:avLst/>
+          </a:prstGeom>
+          <a:noFill/>
+        </p:spPr>
+        <p:txBody>
+          <a:bodyPr wrap="square" rtlCol="0">
+            <a:spAutoFit/>
+          </a:bodyPr>
+          <a:lstStyle/>
+          <a:p>
+            <a:r>
+              <a:rPr lang="ko-KR" altLang="en-US" dirty="0" smtClean="0"/>
+              <a:t>내 이름 </a:t>
+            </a:r>
+            <a:r>
+              <a:rPr lang="ko-KR" altLang="en-US" dirty="0"/>
+              <a:t>삼</a:t>
+            </a:r>
+            <a:r>
+              <a:rPr lang="ko-KR" altLang="en-US" dirty="0" smtClean="0"/>
+              <a:t>행시</a:t>
+            </a:r>
+            <a:endParaRPr lang="ko-KR" altLang="en-US" dirty="0"/>
           </a:p>
         </p:txBody>
       </p:sp>
     </p:spTree>
     <p:extLst>
       <p:ext uri="{BB962C8B-B14F-4D97-AF65-F5344CB8AC3E}">
-        <p14:creationId xmlns:p14="http://schemas.microsoft.com/office/powerpoint/2010/main" val="3818176193"/>
+        <p14:creationId xmlns:p14="http://schemas.microsoft.com/office/powerpoint/2010/main" val="3575391213"/>
       </p:ext>
     </p:extLst>
   </p:cSld>
   <p:clrMapOvr>
     <a:masterClrMapping/>
   </p:clrMapOvr>
-  <p:timing>
-    <p:tnLst>
-      <p:par>
-        <p:cTn id="1" dur="indefinite" restart="never" nodeType="tmRoot"/>
-      </p:par>
-    </p:tnLst>
-  </p:timing>
 </p:sld>
 </file>
 
@@ -5621,7 +5773,7 @@
       </p:grpSpPr>
       <p:sp>
         <p:nvSpPr>
-          <p:cNvPr id="2" name="TextBox 1"/>
+          <p:cNvPr id="3" name="TextBox 2"/>
           <p:cNvSpPr txBox="1"/>
           <p:nvPr/>
         </p:nvSpPr>
@@ -5643,19 +5795,11 @@
           <a:p>
             <a:r>
               <a:rPr lang="en-US" altLang="ko-KR" dirty="0"/>
-              <a:t>#</a:t>
-            </a:r>
-            <a:r>
-              <a:rPr lang="en-US" altLang="ko-KR" dirty="0" smtClean="0"/>
-              <a:t>4. </a:t>
+              <a:t>#3. </a:t>
             </a:r>
             <a:r>
               <a:rPr lang="ko-KR" altLang="en-US" dirty="0"/>
-              <a:t>원하는 자릿수 반올림</a:t>
-            </a:r>
-            <a:r>
-              <a:rPr lang="en-US" altLang="ko-KR" dirty="0"/>
-              <a:t>, </a:t>
+              <a:t>정수형 변수의 나눗셈은 정수범위에서 </a:t>
             </a:r>
             <a:r>
               <a:rPr lang="ko-KR" altLang="en-US" dirty="0" smtClean="0"/>
@@ -5667,7 +5811,7 @@
       </p:sp>
       <p:pic>
         <p:nvPicPr>
-          <p:cNvPr id="3" name="그림 2"/>
+          <p:cNvPr id="4" name="그림 3"/>
           <p:cNvPicPr>
             <a:picLocks noChangeAspect="1"/>
           </p:cNvPicPr>
@@ -5681,8 +5825,8 @@
         </p:blipFill>
         <p:spPr>
           <a:xfrm>
-            <a:off x="805543" y="761596"/>
-            <a:ext cx="7506748" cy="5792008"/>
+            <a:off x="805543" y="1169280"/>
+            <a:ext cx="7763958" cy="3648584"/>
           </a:xfrm>
           <a:prstGeom prst="rect">
             <a:avLst/>
@@ -5691,7 +5835,7 @@
       </p:pic>
       <p:pic>
         <p:nvPicPr>
-          <p:cNvPr id="4" name="그림 3"/>
+          <p:cNvPr id="5" name="그림 4"/>
           <p:cNvPicPr>
             <a:picLocks noChangeAspect="1"/>
           </p:cNvPicPr>
@@ -5705,8 +5849,8 @@
         </p:blipFill>
         <p:spPr>
           <a:xfrm>
-            <a:off x="10474790" y="2627448"/>
-            <a:ext cx="1717210" cy="1933665"/>
+            <a:off x="6270171" y="5487184"/>
+            <a:ext cx="4277322" cy="1086002"/>
           </a:xfrm>
           <a:prstGeom prst="rect">
             <a:avLst/>
@@ -5715,16 +5859,16 @@
       </p:pic>
       <p:sp>
         <p:nvSpPr>
-          <p:cNvPr id="5" name="오른쪽 화살표 4"/>
+          <p:cNvPr id="6" name="위로 굽은 화살표 5"/>
           <p:cNvSpPr/>
           <p:nvPr/>
         </p:nvSpPr>
         <p:spPr>
-          <a:xfrm>
-            <a:off x="8560783" y="3412671"/>
-            <a:ext cx="1665514" cy="489857"/>
-          </a:xfrm>
-          <a:prstGeom prst="rightArrow">
+          <a:xfrm rot="5400000">
+            <a:off x="4306522" y="5462843"/>
+            <a:ext cx="1415143" cy="805544"/>
+          </a:xfrm>
+          <a:prstGeom prst="bentUpArrow">
             <a:avLst/>
           </a:prstGeom>
         </p:spPr>
@@ -5756,7 +5900,7 @@
     </p:spTree>
     <p:extLst>
       <p:ext uri="{BB962C8B-B14F-4D97-AF65-F5344CB8AC3E}">
-        <p14:creationId xmlns:p14="http://schemas.microsoft.com/office/powerpoint/2010/main" val="704586827"/>
+        <p14:creationId xmlns:p14="http://schemas.microsoft.com/office/powerpoint/2010/main" val="3450369544"/>
       </p:ext>
     </p:extLst>
   </p:cSld>
@@ -5818,15 +5962,19 @@
             </a:r>
             <a:r>
               <a:rPr lang="en-US" altLang="ko-KR" dirty="0" smtClean="0"/>
-              <a:t>5. </a:t>
+              <a:t>4. </a:t>
             </a:r>
             <a:r>
               <a:rPr lang="ko-KR" altLang="en-US" dirty="0"/>
-              <a:t>소수점 이하에서는 어떻게 할까</a:t>
+              <a:t>원하는 자릿수 반올림</a:t>
             </a:r>
             <a:r>
               <a:rPr lang="en-US" altLang="ko-KR" dirty="0"/>
-              <a:t>?</a:t>
+              <a:t>, </a:t>
+            </a:r>
+            <a:r>
+              <a:rPr lang="ko-KR" altLang="en-US" dirty="0" smtClean="0"/>
+              <a:t>버림 처리</a:t>
             </a:r>
             <a:endParaRPr lang="ko-KR" altLang="en-US" dirty="0"/>
           </a:p>
@@ -5848,8 +5996,8 @@
         </p:blipFill>
         <p:spPr>
           <a:xfrm>
-            <a:off x="805543" y="1536685"/>
-            <a:ext cx="9231013" cy="3458058"/>
+            <a:off x="805543" y="761596"/>
+            <a:ext cx="7506748" cy="5792008"/>
           </a:xfrm>
           <a:prstGeom prst="rect">
             <a:avLst/>
@@ -5872,8 +6020,8 @@
         </p:blipFill>
         <p:spPr>
           <a:xfrm>
-            <a:off x="6834700" y="5430241"/>
-            <a:ext cx="2156827" cy="1427759"/>
+            <a:off x="10474790" y="2627448"/>
+            <a:ext cx="1717210" cy="1933665"/>
           </a:xfrm>
           <a:prstGeom prst="rect">
             <a:avLst/>
@@ -5882,16 +6030,16 @@
       </p:pic>
       <p:sp>
         <p:nvSpPr>
-          <p:cNvPr id="5" name="위로 굽은 화살표 4"/>
+          <p:cNvPr id="5" name="오른쪽 화살표 4"/>
           <p:cNvSpPr/>
           <p:nvPr/>
         </p:nvSpPr>
         <p:spPr>
-          <a:xfrm rot="5400000">
-            <a:off x="5278660" y="5617792"/>
-            <a:ext cx="1155670" cy="827352"/>
-          </a:xfrm>
-          <a:prstGeom prst="bentUpArrow">
+          <a:xfrm>
+            <a:off x="8560783" y="3412671"/>
+            <a:ext cx="1665514" cy="489857"/>
+          </a:xfrm>
+          <a:prstGeom prst="rightArrow">
             <a:avLst/>
           </a:prstGeom>
         </p:spPr>
@@ -5923,7 +6071,7 @@
     </p:spTree>
     <p:extLst>
       <p:ext uri="{BB962C8B-B14F-4D97-AF65-F5344CB8AC3E}">
-        <p14:creationId xmlns:p14="http://schemas.microsoft.com/office/powerpoint/2010/main" val="4094455314"/>
+        <p14:creationId xmlns:p14="http://schemas.microsoft.com/office/powerpoint/2010/main" val="704586827"/>
       </p:ext>
     </p:extLst>
   </p:cSld>
@@ -5959,7 +6107,7 @@
       </p:grpSpPr>
       <p:sp>
         <p:nvSpPr>
-          <p:cNvPr id="4" name="TextBox 3"/>
+          <p:cNvPr id="2" name="TextBox 1"/>
           <p:cNvSpPr txBox="1"/>
           <p:nvPr/>
         </p:nvSpPr>
@@ -5980,12 +6128,20 @@
           <a:lstStyle/>
           <a:p>
             <a:r>
-              <a:rPr lang="ko-KR" altLang="en-US" dirty="0" smtClean="0"/>
-              <a:t>단순 세금 계산기</a:t>
+              <a:rPr lang="en-US" altLang="ko-KR" dirty="0"/>
+              <a:t>#</a:t>
             </a:r>
             <a:r>
               <a:rPr lang="en-US" altLang="ko-KR" dirty="0" smtClean="0"/>
-              <a:t>.</a:t>
+              <a:t>5. </a:t>
+            </a:r>
+            <a:r>
+              <a:rPr lang="ko-KR" altLang="en-US" dirty="0"/>
+              <a:t>소수점 이하에서는 어떻게 할까</a:t>
+            </a:r>
+            <a:r>
+              <a:rPr lang="en-US" altLang="ko-KR" dirty="0"/>
+              <a:t>?</a:t>
             </a:r>
             <a:endParaRPr lang="ko-KR" altLang="en-US" dirty="0"/>
           </a:p>
@@ -6007,8 +6163,8 @@
         </p:blipFill>
         <p:spPr>
           <a:xfrm>
-            <a:off x="805543" y="499960"/>
-            <a:ext cx="11386457" cy="4855975"/>
+            <a:off x="805543" y="1536685"/>
+            <a:ext cx="9231013" cy="3458058"/>
           </a:xfrm>
           <a:prstGeom prst="rect">
             <a:avLst/>
@@ -6017,7 +6173,7 @@
       </p:pic>
       <p:pic>
         <p:nvPicPr>
-          <p:cNvPr id="2" name="그림 1"/>
+          <p:cNvPr id="4" name="그림 3"/>
           <p:cNvPicPr>
             <a:picLocks noChangeAspect="1"/>
           </p:cNvPicPr>
@@ -6031,8 +6187,8 @@
         </p:blipFill>
         <p:spPr>
           <a:xfrm>
-            <a:off x="5422179" y="5725267"/>
-            <a:ext cx="5056575" cy="981127"/>
+            <a:off x="6834700" y="5430241"/>
+            <a:ext cx="2156827" cy="1427759"/>
           </a:xfrm>
           <a:prstGeom prst="rect">
             <a:avLst/>
@@ -6047,8 +6203,8 @@
         </p:nvSpPr>
         <p:spPr>
           <a:xfrm rot="5400000">
-            <a:off x="4163785" y="5578928"/>
-            <a:ext cx="985114" cy="789258"/>
+            <a:off x="5278660" y="5617792"/>
+            <a:ext cx="1155670" cy="827352"/>
           </a:xfrm>
           <a:prstGeom prst="bentUpArrow">
             <a:avLst/>
@@ -6082,7 +6238,7 @@
     </p:spTree>
     <p:extLst>
       <p:ext uri="{BB962C8B-B14F-4D97-AF65-F5344CB8AC3E}">
-        <p14:creationId xmlns:p14="http://schemas.microsoft.com/office/powerpoint/2010/main" val="3394893422"/>
+        <p14:creationId xmlns:p14="http://schemas.microsoft.com/office/powerpoint/2010/main" val="4094455314"/>
       </p:ext>
     </p:extLst>
   </p:cSld>
@@ -6139,12 +6295,8 @@
           <a:lstStyle/>
           <a:p>
             <a:r>
-              <a:rPr lang="ko-KR" altLang="en-US" dirty="0" err="1" smtClean="0"/>
-              <a:t>세전</a:t>
-            </a:r>
-            <a:r>
               <a:rPr lang="ko-KR" altLang="en-US" dirty="0" smtClean="0"/>
-              <a:t> 가격 구하기</a:t>
+              <a:t>단순 세금 계산기</a:t>
             </a:r>
             <a:r>
               <a:rPr lang="en-US" altLang="ko-KR" dirty="0" smtClean="0"/>
@@ -6156,7 +6308,7 @@
       </p:sp>
       <p:pic>
         <p:nvPicPr>
-          <p:cNvPr id="2" name="그림 1"/>
+          <p:cNvPr id="3" name="그림 2"/>
           <p:cNvPicPr>
             <a:picLocks noChangeAspect="1"/>
           </p:cNvPicPr>
@@ -6170,8 +6322,8 @@
         </p:blipFill>
         <p:spPr>
           <a:xfrm>
-            <a:off x="805543" y="1665332"/>
-            <a:ext cx="8621328" cy="2591162"/>
+            <a:off x="805543" y="499960"/>
+            <a:ext cx="11386457" cy="4855975"/>
           </a:xfrm>
           <a:prstGeom prst="rect">
             <a:avLst/>
@@ -6180,7 +6332,7 @@
       </p:pic>
       <p:pic>
         <p:nvPicPr>
-          <p:cNvPr id="3" name="그림 2"/>
+          <p:cNvPr id="2" name="그림 1"/>
           <p:cNvPicPr>
             <a:picLocks noChangeAspect="1"/>
           </p:cNvPicPr>
@@ -6194,8 +6346,8 @@
         </p:blipFill>
         <p:spPr>
           <a:xfrm>
-            <a:off x="5443950" y="5257757"/>
-            <a:ext cx="6495981" cy="1034186"/>
+            <a:off x="5422179" y="5725267"/>
+            <a:ext cx="5056575" cy="981127"/>
           </a:xfrm>
           <a:prstGeom prst="rect">
             <a:avLst/>
@@ -6210,8 +6362,8 @@
         </p:nvSpPr>
         <p:spPr>
           <a:xfrm rot="5400000">
-            <a:off x="3698319" y="4683512"/>
-            <a:ext cx="1600201" cy="1148489"/>
+            <a:off x="4163785" y="5578928"/>
+            <a:ext cx="985114" cy="789258"/>
           </a:xfrm>
           <a:prstGeom prst="bentUpArrow">
             <a:avLst/>
@@ -6245,7 +6397,7 @@
     </p:spTree>
     <p:extLst>
       <p:ext uri="{BB962C8B-B14F-4D97-AF65-F5344CB8AC3E}">
-        <p14:creationId xmlns:p14="http://schemas.microsoft.com/office/powerpoint/2010/main" val="3251113273"/>
+        <p14:creationId xmlns:p14="http://schemas.microsoft.com/office/powerpoint/2010/main" val="3394893422"/>
       </p:ext>
     </p:extLst>
   </p:cSld>
@@ -6263,7 +6415,7 @@
 </file>
 
 <file path=ppt/slides/slide24.xml><?xml version="1.0" encoding="utf-8"?>
-<p:sld xmlns:r="http://schemas.openxmlformats.org/officeDocument/2006/relationships" xmlns:c="http://schemas.openxmlformats.org/drawingml/2006/chart" xmlns:a="http://schemas.openxmlformats.org/drawingml/2006/main" xmlns:dgm="http://schemas.openxmlformats.org/drawingml/2006/diagram" xmlns:dsp="http://schemas.microsoft.com/office/drawing/2008/diagram" xmlns:p="http://schemas.openxmlformats.org/presentationml/2006/main">
+<p:sld xmlns:a="http://schemas.openxmlformats.org/drawingml/2006/main" xmlns:r="http://schemas.openxmlformats.org/officeDocument/2006/relationships" xmlns:p="http://schemas.openxmlformats.org/presentationml/2006/main">
   <p:cSld>
     <p:spTree>
       <p:nvGrpSpPr>
@@ -6287,8 +6439,8 @@
         </p:nvSpPr>
         <p:spPr>
           <a:xfrm>
-            <a:off x="843846" y="0"/>
-            <a:ext cx="10592209" cy="369332"/>
+            <a:off x="805543" y="130628"/>
+            <a:ext cx="5464628" cy="369332"/>
           </a:xfrm>
           <a:prstGeom prst="rect">
             <a:avLst/>
@@ -6302,20 +6454,16 @@
           <a:lstStyle/>
           <a:p>
             <a:r>
+              <a:rPr lang="ko-KR" altLang="en-US" dirty="0" err="1" smtClean="0"/>
+              <a:t>세전</a:t>
+            </a:r>
+            <a:r>
               <a:rPr lang="ko-KR" altLang="en-US" dirty="0" smtClean="0"/>
-              <a:t>콤마 찍기와 </a:t>
+              <a:t> 가격 구하기</a:t>
             </a:r>
             <a:r>
               <a:rPr lang="en-US" altLang="ko-KR" dirty="0" smtClean="0"/>
-              <a:t>Calendar, </a:t>
-            </a:r>
-            <a:r>
-              <a:rPr lang="en-US" altLang="ko-KR" dirty="0" err="1" smtClean="0"/>
-              <a:t>SimpleDateFormat</a:t>
-            </a:r>
-            <a:r>
-              <a:rPr lang="ko-KR" altLang="en-US" dirty="0" smtClean="0"/>
-              <a:t>을 활용해 영수증 출력하기</a:t>
+              <a:t>.</a:t>
             </a:r>
             <a:endParaRPr lang="ko-KR" altLang="en-US" dirty="0"/>
           </a:p>
@@ -6337,18 +6485,82 @@
         </p:blipFill>
         <p:spPr>
           <a:xfrm>
-            <a:off x="843846" y="369333"/>
-            <a:ext cx="10668817" cy="6488668"/>
+            <a:off x="805543" y="1665332"/>
+            <a:ext cx="8621328" cy="2591162"/>
           </a:xfrm>
           <a:prstGeom prst="rect">
             <a:avLst/>
           </a:prstGeom>
         </p:spPr>
       </p:pic>
+      <p:pic>
+        <p:nvPicPr>
+          <p:cNvPr id="3" name="그림 2"/>
+          <p:cNvPicPr>
+            <a:picLocks noChangeAspect="1"/>
+          </p:cNvPicPr>
+          <p:nvPr/>
+        </p:nvPicPr>
+        <p:blipFill>
+          <a:blip r:embed="rId3"/>
+          <a:stretch>
+            <a:fillRect/>
+          </a:stretch>
+        </p:blipFill>
+        <p:spPr>
+          <a:xfrm>
+            <a:off x="5443950" y="5257757"/>
+            <a:ext cx="6495981" cy="1034186"/>
+          </a:xfrm>
+          <a:prstGeom prst="rect">
+            <a:avLst/>
+          </a:prstGeom>
+        </p:spPr>
+      </p:pic>
+      <p:sp>
+        <p:nvSpPr>
+          <p:cNvPr id="5" name="위로 굽은 화살표 4"/>
+          <p:cNvSpPr/>
+          <p:nvPr/>
+        </p:nvSpPr>
+        <p:spPr>
+          <a:xfrm rot="5400000">
+            <a:off x="3698319" y="4683512"/>
+            <a:ext cx="1600201" cy="1148489"/>
+          </a:xfrm>
+          <a:prstGeom prst="bentUpArrow">
+            <a:avLst/>
+          </a:prstGeom>
+        </p:spPr>
+        <p:style>
+          <a:lnRef idx="2">
+            <a:schemeClr val="accent1">
+              <a:shade val="50000"/>
+            </a:schemeClr>
+          </a:lnRef>
+          <a:fillRef idx="1">
+            <a:schemeClr val="accent1"/>
+          </a:fillRef>
+          <a:effectRef idx="0">
+            <a:schemeClr val="accent1"/>
+          </a:effectRef>
+          <a:fontRef idx="minor">
+            <a:schemeClr val="lt1"/>
+          </a:fontRef>
+        </p:style>
+        <p:txBody>
+          <a:bodyPr rtlCol="0" anchor="ctr"/>
+          <a:lstStyle/>
+          <a:p>
+            <a:pPr algn="ctr"/>
+            <a:endParaRPr lang="ko-KR" altLang="en-US"/>
+          </a:p>
+        </p:txBody>
+      </p:sp>
     </p:spTree>
     <p:extLst>
       <p:ext uri="{BB962C8B-B14F-4D97-AF65-F5344CB8AC3E}">
-        <p14:creationId xmlns:p14="http://schemas.microsoft.com/office/powerpoint/2010/main" val="1095191194"/>
+        <p14:creationId xmlns:p14="http://schemas.microsoft.com/office/powerpoint/2010/main" val="3251113273"/>
       </p:ext>
     </p:extLst>
   </p:cSld>
@@ -6426,6 +6638,109 @@
       </p:sp>
       <p:pic>
         <p:nvPicPr>
+          <p:cNvPr id="2" name="그림 1"/>
+          <p:cNvPicPr>
+            <a:picLocks noChangeAspect="1"/>
+          </p:cNvPicPr>
+          <p:nvPr/>
+        </p:nvPicPr>
+        <p:blipFill>
+          <a:blip r:embed="rId2"/>
+          <a:stretch>
+            <a:fillRect/>
+          </a:stretch>
+        </p:blipFill>
+        <p:spPr>
+          <a:xfrm>
+            <a:off x="843846" y="369333"/>
+            <a:ext cx="10668817" cy="6488668"/>
+          </a:xfrm>
+          <a:prstGeom prst="rect">
+            <a:avLst/>
+          </a:prstGeom>
+        </p:spPr>
+      </p:pic>
+    </p:spTree>
+    <p:extLst>
+      <p:ext uri="{BB962C8B-B14F-4D97-AF65-F5344CB8AC3E}">
+        <p14:creationId xmlns:p14="http://schemas.microsoft.com/office/powerpoint/2010/main" val="1095191194"/>
+      </p:ext>
+    </p:extLst>
+  </p:cSld>
+  <p:clrMapOvr>
+    <a:masterClrMapping/>
+  </p:clrMapOvr>
+  <p:timing>
+    <p:tnLst>
+      <p:par>
+        <p:cTn id="1" dur="indefinite" restart="never" nodeType="tmRoot"/>
+      </p:par>
+    </p:tnLst>
+  </p:timing>
+</p:sld>
+</file>
+
+<file path=ppt/slides/slide26.xml><?xml version="1.0" encoding="utf-8"?>
+<p:sld xmlns:a="http://schemas.openxmlformats.org/drawingml/2006/main" xmlns:r="http://schemas.openxmlformats.org/officeDocument/2006/relationships" xmlns:p="http://schemas.openxmlformats.org/presentationml/2006/main">
+  <p:cSld>
+    <p:spTree>
+      <p:nvGrpSpPr>
+        <p:cNvPr id="1" name=""/>
+        <p:cNvGrpSpPr/>
+        <p:nvPr/>
+      </p:nvGrpSpPr>
+      <p:grpSpPr>
+        <a:xfrm>
+          <a:off x="0" y="0"/>
+          <a:ext cx="0" cy="0"/>
+          <a:chOff x="0" y="0"/>
+          <a:chExt cx="0" cy="0"/>
+        </a:xfrm>
+      </p:grpSpPr>
+      <p:sp>
+        <p:nvSpPr>
+          <p:cNvPr id="4" name="TextBox 3"/>
+          <p:cNvSpPr txBox="1"/>
+          <p:nvPr/>
+        </p:nvSpPr>
+        <p:spPr>
+          <a:xfrm>
+            <a:off x="843846" y="0"/>
+            <a:ext cx="10592209" cy="369332"/>
+          </a:xfrm>
+          <a:prstGeom prst="rect">
+            <a:avLst/>
+          </a:prstGeom>
+          <a:noFill/>
+        </p:spPr>
+        <p:txBody>
+          <a:bodyPr wrap="square" rtlCol="0">
+            <a:spAutoFit/>
+          </a:bodyPr>
+          <a:lstStyle/>
+          <a:p>
+            <a:r>
+              <a:rPr lang="ko-KR" altLang="en-US" dirty="0" smtClean="0"/>
+              <a:t>콤마 찍기와 </a:t>
+            </a:r>
+            <a:r>
+              <a:rPr lang="en-US" altLang="ko-KR" dirty="0" smtClean="0"/>
+              <a:t>Calendar, </a:t>
+            </a:r>
+            <a:r>
+              <a:rPr lang="en-US" altLang="ko-KR" dirty="0" err="1" smtClean="0"/>
+              <a:t>SimpleDateFormat</a:t>
+            </a:r>
+            <a:r>
+              <a:rPr lang="ko-KR" altLang="en-US" dirty="0" smtClean="0"/>
+              <a:t>을 활용해 영수증 출력하기</a:t>
+            </a:r>
+            <a:endParaRPr lang="ko-KR" altLang="en-US" dirty="0"/>
+          </a:p>
+        </p:txBody>
+      </p:sp>
+      <p:pic>
+        <p:nvPicPr>
           <p:cNvPr id="3" name="그림 2"/>
           <p:cNvPicPr>
             <a:picLocks noChangeAspect="1"/>
@@ -6498,8 +6813,8 @@
 </p:sld>
 </file>
 
-<file path=ppt/slides/slide26.xml><?xml version="1.0" encoding="utf-8"?>
-<p:sld xmlns:r="http://schemas.openxmlformats.org/officeDocument/2006/relationships" xmlns:c="http://schemas.openxmlformats.org/drawingml/2006/chart" xmlns:a="http://schemas.openxmlformats.org/drawingml/2006/main" xmlns:dgm="http://schemas.openxmlformats.org/drawingml/2006/diagram" xmlns:dsp="http://schemas.microsoft.com/office/drawing/2008/diagram" xmlns:p="http://schemas.openxmlformats.org/presentationml/2006/main">
+<file path=ppt/slides/slide27.xml><?xml version="1.0" encoding="utf-8"?>
+<p:sld xmlns:a="http://schemas.openxmlformats.org/drawingml/2006/main" xmlns:r="http://schemas.openxmlformats.org/officeDocument/2006/relationships" xmlns:p="http://schemas.openxmlformats.org/presentationml/2006/main">
   <p:cSld>
     <p:spTree>
       <p:nvGrpSpPr>
@@ -6629,6 +6944,7 @@
         </p:style>
         <p:txBody>
           <a:bodyPr anchor="ctr"/>
+          <a:lstStyle/>
           <a:p>
             <a:pPr lvl="0" algn="ctr">
               <a:defRPr/>
@@ -6657,8 +6973,8 @@
 </p:sld>
 </file>
 
-<file path=ppt/slides/slide27.xml><?xml version="1.0" encoding="utf-8"?>
-<p:sld xmlns:r="http://schemas.openxmlformats.org/officeDocument/2006/relationships" xmlns:c="http://schemas.openxmlformats.org/drawingml/2006/chart" xmlns:a="http://schemas.openxmlformats.org/drawingml/2006/main" xmlns:dgm="http://schemas.openxmlformats.org/drawingml/2006/diagram" xmlns:dsp="http://schemas.microsoft.com/office/drawing/2008/diagram" xmlns:p="http://schemas.openxmlformats.org/presentationml/2006/main">
+<file path=ppt/slides/slide28.xml><?xml version="1.0" encoding="utf-8"?>
+<p:sld xmlns:a="http://schemas.openxmlformats.org/drawingml/2006/main" xmlns:r="http://schemas.openxmlformats.org/officeDocument/2006/relationships" xmlns:p="http://schemas.openxmlformats.org/presentationml/2006/main">
   <p:cSld>
     <p:spTree>
       <p:nvGrpSpPr>
@@ -6792,6 +7108,7 @@
         </p:style>
         <p:txBody>
           <a:bodyPr anchor="ctr"/>
+          <a:lstStyle/>
           <a:p>
             <a:pPr lvl="0" algn="ctr">
               <a:defRPr/>
@@ -6820,8 +7137,8 @@
 </p:sld>
 </file>
 
-<file path=ppt/slides/slide28.xml><?xml version="1.0" encoding="utf-8"?>
-<p:sld xmlns:r="http://schemas.openxmlformats.org/officeDocument/2006/relationships" xmlns:c="http://schemas.openxmlformats.org/drawingml/2006/chart" xmlns:a="http://schemas.openxmlformats.org/drawingml/2006/main" xmlns:dgm="http://schemas.openxmlformats.org/drawingml/2006/diagram" xmlns:dsp="http://schemas.microsoft.com/office/drawing/2008/diagram" xmlns:p="http://schemas.openxmlformats.org/presentationml/2006/main">
+<file path=ppt/slides/slide29.xml><?xml version="1.0" encoding="utf-8"?>
+<p:sld xmlns:a="http://schemas.openxmlformats.org/drawingml/2006/main" xmlns:r="http://schemas.openxmlformats.org/officeDocument/2006/relationships" xmlns:p="http://schemas.openxmlformats.org/presentationml/2006/main">
   <p:cSld>
     <p:spTree>
       <p:nvGrpSpPr>
@@ -6955,6 +7272,7 @@
         </p:style>
         <p:txBody>
           <a:bodyPr anchor="ctr"/>
+          <a:lstStyle/>
           <a:p>
             <a:pPr lvl="0" algn="ctr">
               <a:defRPr/>
@@ -6967,169 +7285,6 @@
     <p:extLst>
       <p:ext uri="{BB962C8B-B14F-4D97-AF65-F5344CB8AC3E}">
         <p14:creationId xmlns:p14="http://schemas.microsoft.com/office/powerpoint/2010/main" val="1736251742"/>
-      </p:ext>
-    </p:extLst>
-  </p:cSld>
-  <p:clrMapOvr>
-    <a:masterClrMapping/>
-  </p:clrMapOvr>
-  <p:timing>
-    <p:tnLst>
-      <p:par>
-        <p:cTn id="1" dur="indefinite" restart="never" nodeType="tmRoot"/>
-      </p:par>
-    </p:tnLst>
-  </p:timing>
-</p:sld>
-</file>
-
-<file path=ppt/slides/slide29.xml><?xml version="1.0" encoding="utf-8"?>
-<p:sld xmlns:r="http://schemas.openxmlformats.org/officeDocument/2006/relationships" xmlns:c="http://schemas.openxmlformats.org/drawingml/2006/chart" xmlns:a="http://schemas.openxmlformats.org/drawingml/2006/main" xmlns:dgm="http://schemas.openxmlformats.org/drawingml/2006/diagram" xmlns:dsp="http://schemas.microsoft.com/office/drawing/2008/diagram" xmlns:p="http://schemas.openxmlformats.org/presentationml/2006/main">
-  <p:cSld>
-    <p:spTree>
-      <p:nvGrpSpPr>
-        <p:cNvPr id="1" name=""/>
-        <p:cNvGrpSpPr/>
-        <p:nvPr/>
-      </p:nvGrpSpPr>
-      <p:grpSpPr>
-        <a:xfrm>
-          <a:off x="0" y="0"/>
-          <a:ext cx="0" cy="0"/>
-          <a:chOff x="0" y="0"/>
-          <a:chExt cx="0" cy="0"/>
-        </a:xfrm>
-      </p:grpSpPr>
-      <p:sp>
-        <p:nvSpPr>
-          <p:cNvPr id="4" name="TextBox 3"/>
-          <p:cNvSpPr txBox="1"/>
-          <p:nvPr/>
-        </p:nvSpPr>
-        <p:spPr>
-          <a:xfrm>
-            <a:off x="843846" y="0"/>
-            <a:ext cx="10592209" cy="369332"/>
-          </a:xfrm>
-          <a:prstGeom prst="rect">
-            <a:avLst/>
-          </a:prstGeom>
-          <a:noFill/>
-        </p:spPr>
-        <p:txBody>
-          <a:bodyPr wrap="square" rtlCol="0">
-            <a:spAutoFit/>
-          </a:bodyPr>
-          <a:lstStyle/>
-          <a:p>
-            <a:r>
-              <a:rPr lang="ko-KR" altLang="en-US" dirty="0" smtClean="0"/>
-              <a:t>수수료 포함 환전 계산 </a:t>
-            </a:r>
-            <a:r>
-              <a:rPr lang="en-US" altLang="ko-KR" smtClean="0"/>
-              <a:t>3</a:t>
-            </a:r>
-            <a:endParaRPr lang="ko-KR" altLang="en-US" dirty="0"/>
-          </a:p>
-        </p:txBody>
-      </p:sp>
-      <p:pic>
-        <p:nvPicPr>
-          <p:cNvPr id="5" name="그림 4"/>
-          <p:cNvPicPr>
-            <a:picLocks noChangeAspect="1"/>
-          </p:cNvPicPr>
-          <p:nvPr/>
-        </p:nvPicPr>
-        <p:blipFill rotWithShape="1">
-          <a:blip r:embed="rId2"/>
-          <a:stretch>
-            <a:fillRect/>
-          </a:stretch>
-        </p:blipFill>
-        <p:spPr>
-          <a:xfrm>
-            <a:off x="884313" y="1072558"/>
-            <a:ext cx="11307686" cy="2356441"/>
-          </a:xfrm>
-          <a:prstGeom prst="rect">
-            <a:avLst/>
-          </a:prstGeom>
-        </p:spPr>
-      </p:pic>
-      <p:pic>
-        <p:nvPicPr>
-          <p:cNvPr id="6" name="그림 5"/>
-          <p:cNvPicPr>
-            <a:picLocks noChangeAspect="1"/>
-          </p:cNvPicPr>
-          <p:nvPr/>
-        </p:nvPicPr>
-        <p:blipFill rotWithShape="1">
-          <a:blip r:embed="rId3"/>
-          <a:stretch>
-            <a:fillRect/>
-          </a:stretch>
-        </p:blipFill>
-        <p:spPr>
-          <a:xfrm>
-            <a:off x="3384286" y="5862401"/>
-            <a:ext cx="6072309" cy="848195"/>
-          </a:xfrm>
-          <a:prstGeom prst="rect">
-            <a:avLst/>
-          </a:prstGeom>
-        </p:spPr>
-      </p:pic>
-      <p:sp>
-        <p:nvSpPr>
-          <p:cNvPr id="7" name="오른쪽 화살표 6"/>
-          <p:cNvSpPr/>
-          <p:nvPr/>
-        </p:nvSpPr>
-        <p:spPr>
-          <a:xfrm rot="5386102">
-            <a:off x="5358613" y="4378486"/>
-            <a:ext cx="2037626" cy="554620"/>
-          </a:xfrm>
-          <a:prstGeom prst="rightArrow">
-            <a:avLst>
-              <a:gd name="adj1" fmla="val 50000"/>
-              <a:gd name="adj2" fmla="val 50000"/>
-            </a:avLst>
-          </a:prstGeom>
-        </p:spPr>
-        <p:style>
-          <a:lnRef idx="2">
-            <a:schemeClr val="accent1">
-              <a:shade val="20000"/>
-            </a:schemeClr>
-          </a:lnRef>
-          <a:fillRef idx="1">
-            <a:schemeClr val="accent1"/>
-          </a:fillRef>
-          <a:effectRef idx="0">
-            <a:schemeClr val="accent1"/>
-          </a:effectRef>
-          <a:fontRef idx="minor">
-            <a:schemeClr val="lt1"/>
-          </a:fontRef>
-        </p:style>
-        <p:txBody>
-          <a:bodyPr anchor="ctr"/>
-          <a:p>
-            <a:pPr lvl="0" algn="ctr">
-              <a:defRPr/>
-            </a:pPr>
-            <a:endParaRPr lang="ko-KR" altLang="en-US"/>
-          </a:p>
-        </p:txBody>
-      </p:sp>
-    </p:spTree>
-    <p:extLst>
-      <p:ext uri="{BB962C8B-B14F-4D97-AF65-F5344CB8AC3E}">
-        <p14:creationId xmlns:p14="http://schemas.microsoft.com/office/powerpoint/2010/main" val="2838110103"/>
       </p:ext>
     </p:extLst>
   </p:cSld>
@@ -7165,14 +7320,14 @@
       </p:grpSpPr>
       <p:sp>
         <p:nvSpPr>
-          <p:cNvPr id="4" name="TextBox 3"/>
+          <p:cNvPr id="5" name="TextBox 4"/>
           <p:cNvSpPr txBox="1"/>
           <p:nvPr/>
         </p:nvSpPr>
         <p:spPr>
           <a:xfrm>
-            <a:off x="805543" y="130628"/>
-            <a:ext cx="5464628" cy="369332"/>
+            <a:off x="5747658" y="3124200"/>
+            <a:ext cx="1317172" cy="923330"/>
           </a:xfrm>
           <a:prstGeom prst="rect">
             <a:avLst/>
@@ -7186,105 +7341,21 @@
           <a:lstStyle/>
           <a:p>
             <a:r>
-              <a:rPr lang="en-US" altLang="ko-KR" dirty="0" smtClean="0"/>
-              <a:t>#1. VarEx1</a:t>
-            </a:r>
-            <a:endParaRPr lang="ko-KR" altLang="en-US" dirty="0"/>
-          </a:p>
-        </p:txBody>
-      </p:sp>
-      <p:pic>
-        <p:nvPicPr>
-          <p:cNvPr id="2" name="그림 1"/>
-          <p:cNvPicPr>
-            <a:picLocks noChangeAspect="1"/>
-          </p:cNvPicPr>
-          <p:nvPr/>
-        </p:nvPicPr>
-        <p:blipFill>
-          <a:blip r:embed="rId2"/>
-          <a:stretch>
-            <a:fillRect/>
-          </a:stretch>
-        </p:blipFill>
-        <p:spPr>
-          <a:xfrm>
-            <a:off x="805543" y="1189048"/>
-            <a:ext cx="6958962" cy="3578895"/>
-          </a:xfrm>
-          <a:prstGeom prst="rect">
-            <a:avLst/>
-          </a:prstGeom>
-        </p:spPr>
-      </p:pic>
-      <p:pic>
-        <p:nvPicPr>
-          <p:cNvPr id="3" name="그림 2"/>
-          <p:cNvPicPr>
-            <a:picLocks noChangeAspect="1"/>
-          </p:cNvPicPr>
-          <p:nvPr/>
-        </p:nvPicPr>
-        <p:blipFill>
-          <a:blip r:embed="rId3"/>
-          <a:stretch>
-            <a:fillRect/>
-          </a:stretch>
-        </p:blipFill>
-        <p:spPr>
-          <a:xfrm>
-            <a:off x="6467713" y="5260475"/>
-            <a:ext cx="1903401" cy="1406862"/>
-          </a:xfrm>
-          <a:prstGeom prst="rect">
-            <a:avLst/>
-          </a:prstGeom>
-        </p:spPr>
-      </p:pic>
-      <p:sp>
-        <p:nvSpPr>
-          <p:cNvPr id="5" name="위로 굽은 화살표 4"/>
-          <p:cNvSpPr/>
-          <p:nvPr/>
-        </p:nvSpPr>
-        <p:spPr>
-          <a:xfrm rot="5400000">
-            <a:off x="4096006" y="5366660"/>
-            <a:ext cx="1415143" cy="805544"/>
-          </a:xfrm>
-          <a:prstGeom prst="bentUpArrow">
-            <a:avLst/>
-          </a:prstGeom>
-        </p:spPr>
-        <p:style>
-          <a:lnRef idx="2">
-            <a:schemeClr val="accent1">
-              <a:shade val="50000"/>
-            </a:schemeClr>
-          </a:lnRef>
-          <a:fillRef idx="1">
-            <a:schemeClr val="accent1"/>
-          </a:fillRef>
-          <a:effectRef idx="0">
-            <a:schemeClr val="accent1"/>
-          </a:effectRef>
-          <a:fontRef idx="minor">
-            <a:schemeClr val="lt1"/>
-          </a:fontRef>
-        </p:style>
-        <p:txBody>
-          <a:bodyPr rtlCol="0" anchor="ctr"/>
-          <a:lstStyle/>
-          <a:p>
-            <a:pPr algn="ctr"/>
-            <a:endParaRPr lang="ko-KR" altLang="en-US"/>
+              <a:rPr lang="en-US" altLang="ko-KR" sz="5400" dirty="0"/>
+              <a:t>2</a:t>
+            </a:r>
+            <a:r>
+              <a:rPr lang="ko-KR" altLang="en-US" sz="5400" dirty="0" smtClean="0"/>
+              <a:t>강</a:t>
+            </a:r>
+            <a:endParaRPr lang="ko-KR" altLang="en-US" sz="5400" dirty="0"/>
           </a:p>
         </p:txBody>
       </p:sp>
     </p:spTree>
     <p:extLst>
       <p:ext uri="{BB962C8B-B14F-4D97-AF65-F5344CB8AC3E}">
-        <p14:creationId xmlns:p14="http://schemas.microsoft.com/office/powerpoint/2010/main" val="82011887"/>
+        <p14:creationId xmlns:p14="http://schemas.microsoft.com/office/powerpoint/2010/main" val="3818176193"/>
       </p:ext>
     </p:extLst>
   </p:cSld>
@@ -7302,7 +7373,7 @@
 </file>
 
 <file path=ppt/slides/slide30.xml><?xml version="1.0" encoding="utf-8"?>
-<p:sld xmlns:r="http://schemas.openxmlformats.org/officeDocument/2006/relationships" xmlns:c="http://schemas.openxmlformats.org/drawingml/2006/chart" xmlns:a="http://schemas.openxmlformats.org/drawingml/2006/main" xmlns:dgm="http://schemas.openxmlformats.org/drawingml/2006/diagram" xmlns:dsp="http://schemas.microsoft.com/office/drawing/2008/diagram" xmlns:p="http://schemas.openxmlformats.org/presentationml/2006/main">
+<p:sld xmlns:a="http://schemas.openxmlformats.org/drawingml/2006/main" xmlns:r="http://schemas.openxmlformats.org/officeDocument/2006/relationships" xmlns:p="http://schemas.openxmlformats.org/presentationml/2006/main">
   <p:cSld>
     <p:spTree>
       <p:nvGrpSpPr>
@@ -7335,25 +7406,26 @@
           <a:noFill/>
         </p:spPr>
         <p:txBody>
-          <a:bodyPr wrap="square">
+          <a:bodyPr wrap="square" rtlCol="0">
             <a:spAutoFit/>
           </a:bodyPr>
           <a:lstStyle/>
           <a:p>
-            <a:pPr lvl="0">
-              <a:defRPr/>
-            </a:pPr>
-            <a:r>
-              <a:rPr lang="ko-KR" altLang="en-US"/>
-              <a:t>환전 예제 콤마 찍기</a:t>
-            </a:r>
-            <a:endParaRPr lang="ko-KR" altLang="en-US"/>
+            <a:r>
+              <a:rPr lang="ko-KR" altLang="en-US" dirty="0" smtClean="0"/>
+              <a:t>수수료 포함 환전 계산 </a:t>
+            </a:r>
+            <a:r>
+              <a:rPr lang="en-US" altLang="ko-KR" smtClean="0"/>
+              <a:t>3</a:t>
+            </a:r>
+            <a:endParaRPr lang="ko-KR" altLang="en-US" dirty="0"/>
           </a:p>
         </p:txBody>
       </p:sp>
       <p:pic>
         <p:nvPicPr>
-          <p:cNvPr id="7" name="그림 6"/>
+          <p:cNvPr id="5" name="그림 4"/>
           <p:cNvPicPr>
             <a:picLocks noChangeAspect="1"/>
           </p:cNvPicPr>
@@ -7367,75 +7439,17 @@
         </p:blipFill>
         <p:spPr>
           <a:xfrm>
-            <a:off x="3195433" y="5790454"/>
-            <a:ext cx="6762592" cy="912163"/>
+            <a:off x="884313" y="1072558"/>
+            <a:ext cx="11307686" cy="2356441"/>
           </a:xfrm>
           <a:prstGeom prst="rect">
             <a:avLst/>
           </a:prstGeom>
         </p:spPr>
       </p:pic>
-      <p:sp>
-        <p:nvSpPr>
-          <p:cNvPr id="8" name="오른쪽 화살표 7"/>
-          <p:cNvSpPr/>
-          <p:nvPr/>
-        </p:nvSpPr>
-        <p:spPr>
-          <a:xfrm rot="5386102">
-            <a:off x="5585081" y="4284850"/>
-            <a:ext cx="2037626" cy="554620"/>
-          </a:xfrm>
-          <a:prstGeom prst="rightArrow">
-            <a:avLst>
-              <a:gd name="adj1" fmla="val 50000"/>
-              <a:gd name="adj2" fmla="val 50000"/>
-            </a:avLst>
-          </a:prstGeom>
-          <a:solidFill>
-            <a:srgbClr val="8c8d86">
-              <a:alpha val="100000"/>
-            </a:srgbClr>
-          </a:solidFill>
-          <a:ln w="34925" cap="flat" cmpd="sng" algn="in">
-            <a:solidFill>
-              <a:srgbClr val="434340">
-                <a:alpha val="100000"/>
-              </a:srgbClr>
-            </a:solidFill>
-            <a:prstDash val="solid"/>
-          </a:ln>
-        </p:spPr>
-        <p:txBody>
-          <a:bodyPr anchor="ctr"/>
-          <a:p>
-            <a:pPr marL="0" lvl="0" indent="0" algn="ctr" defTabSz="457200" rtl="0" eaLnBrk="1" latinLnBrk="0" hangingPunct="1">
-              <a:lnSpc>
-                <a:spcPct val="100000"/>
-              </a:lnSpc>
-              <a:spcBef>
-                <a:spcPts val="0"/>
-              </a:spcBef>
-              <a:spcAft>
-                <a:spcPts val="0"/>
-              </a:spcAft>
-              <a:buNone/>
-              <a:defRPr/>
-            </a:pPr>
-            <a:endParaRPr xmlns:mc="http://schemas.openxmlformats.org/markup-compatibility/2006" xmlns:hp="http://schemas.haansoft.com/office/presentation/8.0" kumimoji="0" lang="ko-KR" altLang="en-US" sz="1800" b="0" i="0" u="none" strike="noStrike" kern="1200" cap="none" spc="0" normalizeH="0" baseline="0" mc:Ignorable="hp" hp:hslEmbossed="0">
-              <a:solidFill>
-                <a:srgbClr val="ffffff"/>
-              </a:solidFill>
-              <a:latin typeface="Franklin Gothic Book"/>
-              <a:ea typeface="돋움"/>
-              <a:cs typeface="돋움"/>
-            </a:endParaRPr>
-          </a:p>
-        </p:txBody>
-      </p:sp>
       <p:pic>
         <p:nvPicPr>
-          <p:cNvPr id="9" name="그림 8"/>
+          <p:cNvPr id="6" name="그림 5"/>
           <p:cNvPicPr>
             <a:picLocks noChangeAspect="1"/>
           </p:cNvPicPr>
@@ -7449,29 +7463,81 @@
         </p:blipFill>
         <p:spPr>
           <a:xfrm>
-            <a:off x="940434" y="747154"/>
-            <a:ext cx="11251566" cy="2486204"/>
+            <a:off x="3384286" y="5862401"/>
+            <a:ext cx="6072309" cy="848195"/>
           </a:xfrm>
           <a:prstGeom prst="rect">
             <a:avLst/>
           </a:prstGeom>
         </p:spPr>
       </p:pic>
+      <p:sp>
+        <p:nvSpPr>
+          <p:cNvPr id="7" name="오른쪽 화살표 6"/>
+          <p:cNvSpPr/>
+          <p:nvPr/>
+        </p:nvSpPr>
+        <p:spPr>
+          <a:xfrm rot="5386102">
+            <a:off x="5358613" y="4378486"/>
+            <a:ext cx="2037626" cy="554620"/>
+          </a:xfrm>
+          <a:prstGeom prst="rightArrow">
+            <a:avLst>
+              <a:gd name="adj1" fmla="val 50000"/>
+              <a:gd name="adj2" fmla="val 50000"/>
+            </a:avLst>
+          </a:prstGeom>
+        </p:spPr>
+        <p:style>
+          <a:lnRef idx="2">
+            <a:schemeClr val="accent1">
+              <a:shade val="20000"/>
+            </a:schemeClr>
+          </a:lnRef>
+          <a:fillRef idx="1">
+            <a:schemeClr val="accent1"/>
+          </a:fillRef>
+          <a:effectRef idx="0">
+            <a:schemeClr val="accent1"/>
+          </a:effectRef>
+          <a:fontRef idx="minor">
+            <a:schemeClr val="lt1"/>
+          </a:fontRef>
+        </p:style>
+        <p:txBody>
+          <a:bodyPr anchor="ctr"/>
+          <a:lstStyle/>
+          <a:p>
+            <a:pPr lvl="0" algn="ctr">
+              <a:defRPr/>
+            </a:pPr>
+            <a:endParaRPr lang="ko-KR" altLang="en-US"/>
+          </a:p>
+        </p:txBody>
+      </p:sp>
     </p:spTree>
     <p:extLst>
       <p:ext uri="{BB962C8B-B14F-4D97-AF65-F5344CB8AC3E}">
-        <p14:creationId xmlns:p14="http://schemas.microsoft.com/office/powerpoint/2010/main" val="3106574928"/>
+        <p14:creationId xmlns:p14="http://schemas.microsoft.com/office/powerpoint/2010/main" val="2838110103"/>
       </p:ext>
     </p:extLst>
   </p:cSld>
   <p:clrMapOvr>
     <a:masterClrMapping/>
   </p:clrMapOvr>
+  <p:timing>
+    <p:tnLst>
+      <p:par>
+        <p:cTn id="1" dur="indefinite" restart="never" nodeType="tmRoot"/>
+      </p:par>
+    </p:tnLst>
+  </p:timing>
 </p:sld>
 </file>
 
 <file path=ppt/slides/slide31.xml><?xml version="1.0" encoding="utf-8"?>
-<p:sld xmlns:r="http://schemas.openxmlformats.org/officeDocument/2006/relationships" xmlns:c="http://schemas.openxmlformats.org/drawingml/2006/chart" xmlns:a="http://schemas.openxmlformats.org/drawingml/2006/main" xmlns:dgm="http://schemas.openxmlformats.org/drawingml/2006/diagram" xmlns:dsp="http://schemas.microsoft.com/office/drawing/2008/diagram" xmlns:p="http://schemas.openxmlformats.org/presentationml/2006/main">
+<p:sld xmlns:a="http://schemas.openxmlformats.org/drawingml/2006/main" xmlns:r="http://schemas.openxmlformats.org/officeDocument/2006/relationships" xmlns:p="http://schemas.openxmlformats.org/presentationml/2006/main">
   <p:cSld>
     <p:spTree>
       <p:nvGrpSpPr>
@@ -7514,23 +7580,14 @@
             </a:pPr>
             <a:r>
               <a:rPr lang="ko-KR" altLang="en-US"/>
-              <a:t>환전 예제 날짜</a:t>
-            </a:r>
-            <a:r>
-              <a:rPr lang="en-US" altLang="ko-KR"/>
-              <a:t>,</a:t>
-            </a:r>
-            <a:r>
-              <a:rPr lang="ko-KR" altLang="en-US"/>
-              <a:t> 시간 찍기</a:t>
-            </a:r>
-            <a:endParaRPr lang="ko-KR" altLang="en-US"/>
+              <a:t>환전 예제 콤마 찍기</a:t>
+            </a:r>
           </a:p>
         </p:txBody>
       </p:sp>
       <p:pic>
         <p:nvPicPr>
-          <p:cNvPr id="5" name="그림 4"/>
+          <p:cNvPr id="7" name="그림 6"/>
           <p:cNvPicPr>
             <a:picLocks noChangeAspect="1"/>
           </p:cNvPicPr>
@@ -7544,47 +7601,23 @@
         </p:blipFill>
         <p:spPr>
           <a:xfrm>
-            <a:off x="1025978" y="1557816"/>
-            <a:ext cx="11166022" cy="1304501"/>
+            <a:off x="3195433" y="5790454"/>
+            <a:ext cx="6762592" cy="912163"/>
           </a:xfrm>
           <a:prstGeom prst="rect">
             <a:avLst/>
           </a:prstGeom>
         </p:spPr>
       </p:pic>
-      <p:pic>
-        <p:nvPicPr>
-          <p:cNvPr id="6" name="그림 5"/>
-          <p:cNvPicPr>
-            <a:picLocks noChangeAspect="1"/>
-          </p:cNvPicPr>
-          <p:nvPr/>
-        </p:nvPicPr>
-        <p:blipFill rotWithShape="1">
-          <a:blip r:embed="rId3"/>
-          <a:stretch>
-            <a:fillRect/>
-          </a:stretch>
-        </p:blipFill>
-        <p:spPr>
-          <a:xfrm>
-            <a:off x="2962924" y="5294306"/>
-            <a:ext cx="7333782" cy="1231713"/>
-          </a:xfrm>
-          <a:prstGeom prst="rect">
-            <a:avLst/>
-          </a:prstGeom>
-        </p:spPr>
-      </p:pic>
-      <p:sp>
-        <p:nvSpPr>
-          <p:cNvPr id="7" name="오른쪽 화살표 6"/>
+      <p:sp>
+        <p:nvSpPr>
+          <p:cNvPr id="8" name="오른쪽 화살표 7"/>
           <p:cNvSpPr/>
           <p:nvPr/>
         </p:nvSpPr>
         <p:spPr>
-          <a:xfrm rot="5362058">
-            <a:off x="5545116" y="3811931"/>
+          <a:xfrm rot="5386102">
+            <a:off x="5585081" y="4284850"/>
             <a:ext cx="2037626" cy="554620"/>
           </a:xfrm>
           <a:prstGeom prst="rightArrow">
@@ -7594,7 +7627,7 @@
             </a:avLst>
           </a:prstGeom>
           <a:solidFill>
-            <a:srgbClr val="8c8d86">
+            <a:srgbClr val="8C8D86">
               <a:alpha val="100000"/>
             </a:srgbClr>
           </a:solidFill>
@@ -7609,6 +7642,7 @@
         </p:spPr>
         <p:txBody>
           <a:bodyPr anchor="ctr"/>
+          <a:lstStyle/>
           <a:p>
             <a:pPr marL="0" lvl="0" indent="0" algn="ctr" defTabSz="457200" rtl="0" eaLnBrk="1" latinLnBrk="0" hangingPunct="1">
               <a:lnSpc>
@@ -7623,9 +7657,210 @@
               <a:buNone/>
               <a:defRPr/>
             </a:pPr>
-            <a:endParaRPr xmlns:mc="http://schemas.openxmlformats.org/markup-compatibility/2006" xmlns:hp="http://schemas.haansoft.com/office/presentation/8.0" kumimoji="0" lang="ko-KR" altLang="en-US" sz="1800" b="0" i="0" u="none" strike="noStrike" kern="1200" cap="none" spc="0" normalizeH="0" baseline="0" mc:Ignorable="hp" hp:hslEmbossed="0">
+            <a:endParaRPr kumimoji="0" lang="ko-KR" altLang="en-US" sz="1800" b="0" i="0" u="none" strike="noStrike" kern="1200" cap="none" spc="0" normalizeH="0" baseline="0">
               <a:solidFill>
-                <a:srgbClr val="ffffff"/>
+                <a:srgbClr val="FFFFFF"/>
+              </a:solidFill>
+              <a:latin typeface="Franklin Gothic Book"/>
+              <a:ea typeface="돋움"/>
+              <a:cs typeface="돋움"/>
+            </a:endParaRPr>
+          </a:p>
+        </p:txBody>
+      </p:sp>
+      <p:pic>
+        <p:nvPicPr>
+          <p:cNvPr id="9" name="그림 8"/>
+          <p:cNvPicPr>
+            <a:picLocks noChangeAspect="1"/>
+          </p:cNvPicPr>
+          <p:nvPr/>
+        </p:nvPicPr>
+        <p:blipFill rotWithShape="1">
+          <a:blip r:embed="rId3"/>
+          <a:stretch>
+            <a:fillRect/>
+          </a:stretch>
+        </p:blipFill>
+        <p:spPr>
+          <a:xfrm>
+            <a:off x="940434" y="747154"/>
+            <a:ext cx="11251566" cy="2486204"/>
+          </a:xfrm>
+          <a:prstGeom prst="rect">
+            <a:avLst/>
+          </a:prstGeom>
+        </p:spPr>
+      </p:pic>
+    </p:spTree>
+    <p:extLst>
+      <p:ext uri="{BB962C8B-B14F-4D97-AF65-F5344CB8AC3E}">
+        <p14:creationId xmlns:p14="http://schemas.microsoft.com/office/powerpoint/2010/main" val="3106574928"/>
+      </p:ext>
+    </p:extLst>
+  </p:cSld>
+  <p:clrMapOvr>
+    <a:masterClrMapping/>
+  </p:clrMapOvr>
+</p:sld>
+</file>
+
+<file path=ppt/slides/slide32.xml><?xml version="1.0" encoding="utf-8"?>
+<p:sld xmlns:a="http://schemas.openxmlformats.org/drawingml/2006/main" xmlns:r="http://schemas.openxmlformats.org/officeDocument/2006/relationships" xmlns:p="http://schemas.openxmlformats.org/presentationml/2006/main">
+  <p:cSld>
+    <p:spTree>
+      <p:nvGrpSpPr>
+        <p:cNvPr id="1" name=""/>
+        <p:cNvGrpSpPr/>
+        <p:nvPr/>
+      </p:nvGrpSpPr>
+      <p:grpSpPr>
+        <a:xfrm>
+          <a:off x="0" y="0"/>
+          <a:ext cx="0" cy="0"/>
+          <a:chOff x="0" y="0"/>
+          <a:chExt cx="0" cy="0"/>
+        </a:xfrm>
+      </p:grpSpPr>
+      <p:sp>
+        <p:nvSpPr>
+          <p:cNvPr id="4" name="TextBox 3"/>
+          <p:cNvSpPr txBox="1"/>
+          <p:nvPr/>
+        </p:nvSpPr>
+        <p:spPr>
+          <a:xfrm>
+            <a:off x="843846" y="0"/>
+            <a:ext cx="10592209" cy="369332"/>
+          </a:xfrm>
+          <a:prstGeom prst="rect">
+            <a:avLst/>
+          </a:prstGeom>
+          <a:noFill/>
+        </p:spPr>
+        <p:txBody>
+          <a:bodyPr wrap="square">
+            <a:spAutoFit/>
+          </a:bodyPr>
+          <a:lstStyle/>
+          <a:p>
+            <a:pPr lvl="0">
+              <a:defRPr/>
+            </a:pPr>
+            <a:r>
+              <a:rPr lang="ko-KR" altLang="en-US"/>
+              <a:t>환전 예제 날짜</a:t>
+            </a:r>
+            <a:r>
+              <a:rPr lang="en-US" altLang="ko-KR"/>
+              <a:t>,</a:t>
+            </a:r>
+            <a:r>
+              <a:rPr lang="ko-KR" altLang="en-US"/>
+              <a:t> 시간 찍기</a:t>
+            </a:r>
+          </a:p>
+        </p:txBody>
+      </p:sp>
+      <p:pic>
+        <p:nvPicPr>
+          <p:cNvPr id="5" name="그림 4"/>
+          <p:cNvPicPr>
+            <a:picLocks noChangeAspect="1"/>
+          </p:cNvPicPr>
+          <p:nvPr/>
+        </p:nvPicPr>
+        <p:blipFill rotWithShape="1">
+          <a:blip r:embed="rId2"/>
+          <a:stretch>
+            <a:fillRect/>
+          </a:stretch>
+        </p:blipFill>
+        <p:spPr>
+          <a:xfrm>
+            <a:off x="1025978" y="1557816"/>
+            <a:ext cx="11166022" cy="1304501"/>
+          </a:xfrm>
+          <a:prstGeom prst="rect">
+            <a:avLst/>
+          </a:prstGeom>
+        </p:spPr>
+      </p:pic>
+      <p:pic>
+        <p:nvPicPr>
+          <p:cNvPr id="6" name="그림 5"/>
+          <p:cNvPicPr>
+            <a:picLocks noChangeAspect="1"/>
+          </p:cNvPicPr>
+          <p:nvPr/>
+        </p:nvPicPr>
+        <p:blipFill rotWithShape="1">
+          <a:blip r:embed="rId3"/>
+          <a:stretch>
+            <a:fillRect/>
+          </a:stretch>
+        </p:blipFill>
+        <p:spPr>
+          <a:xfrm>
+            <a:off x="2962924" y="5294306"/>
+            <a:ext cx="7333782" cy="1231713"/>
+          </a:xfrm>
+          <a:prstGeom prst="rect">
+            <a:avLst/>
+          </a:prstGeom>
+        </p:spPr>
+      </p:pic>
+      <p:sp>
+        <p:nvSpPr>
+          <p:cNvPr id="7" name="오른쪽 화살표 6"/>
+          <p:cNvSpPr/>
+          <p:nvPr/>
+        </p:nvSpPr>
+        <p:spPr>
+          <a:xfrm rot="5362058">
+            <a:off x="5545116" y="3811931"/>
+            <a:ext cx="2037626" cy="554620"/>
+          </a:xfrm>
+          <a:prstGeom prst="rightArrow">
+            <a:avLst>
+              <a:gd name="adj1" fmla="val 50000"/>
+              <a:gd name="adj2" fmla="val 50000"/>
+            </a:avLst>
+          </a:prstGeom>
+          <a:solidFill>
+            <a:srgbClr val="8C8D86">
+              <a:alpha val="100000"/>
+            </a:srgbClr>
+          </a:solidFill>
+          <a:ln w="34925" cap="flat" cmpd="sng" algn="in">
+            <a:solidFill>
+              <a:srgbClr val="434340">
+                <a:alpha val="100000"/>
+              </a:srgbClr>
+            </a:solidFill>
+            <a:prstDash val="solid"/>
+          </a:ln>
+        </p:spPr>
+        <p:txBody>
+          <a:bodyPr anchor="ctr"/>
+          <a:lstStyle/>
+          <a:p>
+            <a:pPr marL="0" lvl="0" indent="0" algn="ctr" defTabSz="457200" rtl="0" eaLnBrk="1" latinLnBrk="0" hangingPunct="1">
+              <a:lnSpc>
+                <a:spcPct val="100000"/>
+              </a:lnSpc>
+              <a:spcBef>
+                <a:spcPts val="0"/>
+              </a:spcBef>
+              <a:spcAft>
+                <a:spcPts val="0"/>
+              </a:spcAft>
+              <a:buNone/>
+              <a:defRPr/>
+            </a:pPr>
+            <a:endParaRPr kumimoji="0" lang="ko-KR" altLang="en-US" sz="1800" b="0" i="0" u="none" strike="noStrike" kern="1200" cap="none" spc="0" normalizeH="0" baseline="0">
+              <a:solidFill>
+                <a:srgbClr val="FFFFFF"/>
               </a:solidFill>
               <a:latin typeface="Franklin Gothic Book"/>
               <a:ea typeface="돋움"/>
@@ -7688,7 +7923,7 @@
           <a:p>
             <a:r>
               <a:rPr lang="en-US" altLang="ko-KR" dirty="0" smtClean="0"/>
-              <a:t>#2. VarEx2</a:t>
+              <a:t>#1. VarEx1</a:t>
             </a:r>
             <a:endParaRPr lang="ko-KR" altLang="en-US" dirty="0"/>
           </a:p>
@@ -7696,7 +7931,7 @@
       </p:sp>
       <p:pic>
         <p:nvPicPr>
-          <p:cNvPr id="3" name="그림 2"/>
+          <p:cNvPr id="2" name="그림 1"/>
           <p:cNvPicPr>
             <a:picLocks noChangeAspect="1"/>
           </p:cNvPicPr>
@@ -7710,8 +7945,8 @@
         </p:blipFill>
         <p:spPr>
           <a:xfrm>
-            <a:off x="805543" y="1344885"/>
-            <a:ext cx="8708908" cy="3455715"/>
+            <a:off x="805543" y="1189048"/>
+            <a:ext cx="6958962" cy="3578895"/>
           </a:xfrm>
           <a:prstGeom prst="rect">
             <a:avLst/>
@@ -7720,7 +7955,7 @@
       </p:pic>
       <p:pic>
         <p:nvPicPr>
-          <p:cNvPr id="2" name="그림 1"/>
+          <p:cNvPr id="3" name="그림 2"/>
           <p:cNvPicPr>
             <a:picLocks noChangeAspect="1"/>
           </p:cNvPicPr>
@@ -7734,8 +7969,8 @@
         </p:blipFill>
         <p:spPr>
           <a:xfrm>
-            <a:off x="6008828" y="5645526"/>
-            <a:ext cx="1838132" cy="777671"/>
+            <a:off x="6467713" y="5260475"/>
+            <a:ext cx="1903401" cy="1406862"/>
           </a:xfrm>
           <a:prstGeom prst="rect">
             <a:avLst/>
@@ -7750,8 +7985,8 @@
         </p:nvSpPr>
         <p:spPr>
           <a:xfrm rot="5400000">
-            <a:off x="4561281" y="5356969"/>
-            <a:ext cx="1197431" cy="577112"/>
+            <a:off x="4096006" y="5366660"/>
+            <a:ext cx="1415143" cy="805544"/>
           </a:xfrm>
           <a:prstGeom prst="bentUpArrow">
             <a:avLst/>
@@ -7785,7 +8020,7 @@
     </p:spTree>
     <p:extLst>
       <p:ext uri="{BB962C8B-B14F-4D97-AF65-F5344CB8AC3E}">
-        <p14:creationId xmlns:p14="http://schemas.microsoft.com/office/powerpoint/2010/main" val="3881357671"/>
+        <p14:creationId xmlns:p14="http://schemas.microsoft.com/office/powerpoint/2010/main" val="82011887"/>
       </p:ext>
     </p:extLst>
   </p:cSld>
@@ -7827,7 +8062,7 @@
         </p:nvSpPr>
         <p:spPr>
           <a:xfrm>
-            <a:off x="772886" y="130628"/>
+            <a:off x="805543" y="130628"/>
             <a:ext cx="5464628" cy="369332"/>
           </a:xfrm>
           <a:prstGeom prst="rect">
@@ -7843,11 +8078,7 @@
           <a:p>
             <a:r>
               <a:rPr lang="en-US" altLang="ko-KR" dirty="0" smtClean="0"/>
-              <a:t>#3. </a:t>
-            </a:r>
-            <a:r>
-              <a:rPr lang="en-US" altLang="ko-KR" dirty="0" err="1" smtClean="0"/>
-              <a:t>StringEx</a:t>
+              <a:t>#2. VarEx2</a:t>
             </a:r>
             <a:endParaRPr lang="ko-KR" altLang="en-US" dirty="0"/>
           </a:p>
@@ -7869,8 +8100,8 @@
         </p:blipFill>
         <p:spPr>
           <a:xfrm>
-            <a:off x="772886" y="766497"/>
-            <a:ext cx="9050013" cy="3801005"/>
+            <a:off x="805543" y="1344885"/>
+            <a:ext cx="8708908" cy="3455715"/>
           </a:xfrm>
           <a:prstGeom prst="rect">
             <a:avLst/>
@@ -7879,7 +8110,7 @@
       </p:pic>
       <p:pic>
         <p:nvPicPr>
-          <p:cNvPr id="5" name="그림 4"/>
+          <p:cNvPr id="2" name="그림 1"/>
           <p:cNvPicPr>
             <a:picLocks noChangeAspect="1"/>
           </p:cNvPicPr>
@@ -7893,8 +8124,8 @@
         </p:blipFill>
         <p:spPr>
           <a:xfrm>
-            <a:off x="6923272" y="4746171"/>
-            <a:ext cx="919436" cy="2111829"/>
+            <a:off x="6008828" y="5645526"/>
+            <a:ext cx="1838132" cy="777671"/>
           </a:xfrm>
           <a:prstGeom prst="rect">
             <a:avLst/>
@@ -7903,13 +8134,13 @@
       </p:pic>
       <p:sp>
         <p:nvSpPr>
-          <p:cNvPr id="6" name="위로 굽은 화살표 5"/>
+          <p:cNvPr id="5" name="위로 굽은 화살표 4"/>
           <p:cNvSpPr/>
           <p:nvPr/>
         </p:nvSpPr>
         <p:spPr>
           <a:xfrm rot="5400000">
-            <a:off x="5006052" y="5389628"/>
+            <a:off x="4561281" y="5356969"/>
             <a:ext cx="1197431" cy="577112"/>
           </a:xfrm>
           <a:prstGeom prst="bentUpArrow">
@@ -7944,7 +8175,7 @@
     </p:spTree>
     <p:extLst>
       <p:ext uri="{BB962C8B-B14F-4D97-AF65-F5344CB8AC3E}">
-        <p14:creationId xmlns:p14="http://schemas.microsoft.com/office/powerpoint/2010/main" val="1236961723"/>
+        <p14:creationId xmlns:p14="http://schemas.microsoft.com/office/powerpoint/2010/main" val="3881357671"/>
       </p:ext>
     </p:extLst>
   </p:cSld>
@@ -7986,7 +8217,7 @@
         </p:nvSpPr>
         <p:spPr>
           <a:xfrm>
-            <a:off x="805543" y="130628"/>
+            <a:off x="772886" y="130628"/>
             <a:ext cx="5464628" cy="369332"/>
           </a:xfrm>
           <a:prstGeom prst="rect">
@@ -8002,11 +8233,11 @@
           <a:p>
             <a:r>
               <a:rPr lang="en-US" altLang="ko-KR" dirty="0" smtClean="0"/>
-              <a:t>#4. </a:t>
+              <a:t>#3. </a:t>
             </a:r>
             <a:r>
               <a:rPr lang="en-US" altLang="ko-KR" dirty="0" err="1" smtClean="0"/>
-              <a:t>SpecialCharEx</a:t>
+              <a:t>StringEx</a:t>
             </a:r>
             <a:endParaRPr lang="ko-KR" altLang="en-US" dirty="0"/>
           </a:p>
@@ -8014,7 +8245,7 @@
       </p:sp>
       <p:pic>
         <p:nvPicPr>
-          <p:cNvPr id="2" name="그림 1"/>
+          <p:cNvPr id="3" name="그림 2"/>
           <p:cNvPicPr>
             <a:picLocks noChangeAspect="1"/>
           </p:cNvPicPr>
@@ -8028,8 +8259,8 @@
         </p:blipFill>
         <p:spPr>
           <a:xfrm>
-            <a:off x="805543" y="1850433"/>
-            <a:ext cx="11386457" cy="2155510"/>
+            <a:off x="772886" y="766497"/>
+            <a:ext cx="9050013" cy="3801005"/>
           </a:xfrm>
           <a:prstGeom prst="rect">
             <a:avLst/>
@@ -8038,7 +8269,7 @@
       </p:pic>
       <p:pic>
         <p:nvPicPr>
-          <p:cNvPr id="3" name="그림 2"/>
+          <p:cNvPr id="5" name="그림 4"/>
           <p:cNvPicPr>
             <a:picLocks noChangeAspect="1"/>
           </p:cNvPicPr>
@@ -8052,8 +8283,8 @@
         </p:blipFill>
         <p:spPr>
           <a:xfrm>
-            <a:off x="7018481" y="4516482"/>
-            <a:ext cx="2104076" cy="1679868"/>
+            <a:off x="6923272" y="4746171"/>
+            <a:ext cx="919436" cy="2111829"/>
           </a:xfrm>
           <a:prstGeom prst="rect">
             <a:avLst/>
@@ -8062,14 +8293,14 @@
       </p:pic>
       <p:sp>
         <p:nvSpPr>
-          <p:cNvPr id="5" name="위로 굽은 화살표 4"/>
+          <p:cNvPr id="6" name="위로 굽은 화살표 5"/>
           <p:cNvSpPr/>
           <p:nvPr/>
         </p:nvSpPr>
         <p:spPr>
           <a:xfrm rot="5400000">
-            <a:off x="5027502" y="4773627"/>
-            <a:ext cx="1698815" cy="577112"/>
+            <a:off x="5006052" y="5389628"/>
+            <a:ext cx="1197431" cy="577112"/>
           </a:xfrm>
           <a:prstGeom prst="bentUpArrow">
             <a:avLst/>
@@ -8103,7 +8334,7 @@
     </p:spTree>
     <p:extLst>
       <p:ext uri="{BB962C8B-B14F-4D97-AF65-F5344CB8AC3E}">
-        <p14:creationId xmlns:p14="http://schemas.microsoft.com/office/powerpoint/2010/main" val="3950603603"/>
+        <p14:creationId xmlns:p14="http://schemas.microsoft.com/office/powerpoint/2010/main" val="1236961723"/>
       </p:ext>
     </p:extLst>
   </p:cSld>
@@ -8161,11 +8392,11 @@
           <a:p>
             <a:r>
               <a:rPr lang="en-US" altLang="ko-KR" dirty="0" smtClean="0"/>
-              <a:t>#5. </a:t>
+              <a:t>#4. </a:t>
             </a:r>
             <a:r>
               <a:rPr lang="en-US" altLang="ko-KR" dirty="0" err="1" smtClean="0"/>
-              <a:t>ScannerEx</a:t>
+              <a:t>SpecialCharEx</a:t>
             </a:r>
             <a:endParaRPr lang="ko-KR" altLang="en-US" dirty="0"/>
           </a:p>
@@ -8173,7 +8404,7 @@
       </p:sp>
       <p:pic>
         <p:nvPicPr>
-          <p:cNvPr id="3" name="그림 2"/>
+          <p:cNvPr id="2" name="그림 1"/>
           <p:cNvPicPr>
             <a:picLocks noChangeAspect="1"/>
           </p:cNvPicPr>
@@ -8187,8 +8418,32 @@
         </p:blipFill>
         <p:spPr>
           <a:xfrm>
-            <a:off x="7078231" y="5142700"/>
-            <a:ext cx="5009641" cy="862048"/>
+            <a:off x="805543" y="1850433"/>
+            <a:ext cx="11386457" cy="2155510"/>
+          </a:xfrm>
+          <a:prstGeom prst="rect">
+            <a:avLst/>
+          </a:prstGeom>
+        </p:spPr>
+      </p:pic>
+      <p:pic>
+        <p:nvPicPr>
+          <p:cNvPr id="3" name="그림 2"/>
+          <p:cNvPicPr>
+            <a:picLocks noChangeAspect="1"/>
+          </p:cNvPicPr>
+          <p:nvPr/>
+        </p:nvPicPr>
+        <p:blipFill>
+          <a:blip r:embed="rId3"/>
+          <a:stretch>
+            <a:fillRect/>
+          </a:stretch>
+        </p:blipFill>
+        <p:spPr>
+          <a:xfrm>
+            <a:off x="7018481" y="4516482"/>
+            <a:ext cx="2104076" cy="1679868"/>
           </a:xfrm>
           <a:prstGeom prst="rect">
             <a:avLst/>
@@ -8203,8 +8458,8 @@
         </p:nvSpPr>
         <p:spPr>
           <a:xfrm rot="5400000">
-            <a:off x="5590082" y="4745821"/>
-            <a:ext cx="1360178" cy="577112"/>
+            <a:off x="5027502" y="4773627"/>
+            <a:ext cx="1698815" cy="577112"/>
           </a:xfrm>
           <a:prstGeom prst="bentUpArrow">
             <a:avLst/>
@@ -8235,34 +8490,10 @@
           </a:p>
         </p:txBody>
       </p:sp>
-      <p:pic>
-        <p:nvPicPr>
-          <p:cNvPr id="6" name="그림 5"/>
-          <p:cNvPicPr>
-            <a:picLocks noChangeAspect="1"/>
-          </p:cNvPicPr>
-          <p:nvPr/>
-        </p:nvPicPr>
-        <p:blipFill>
-          <a:blip r:embed="rId3"/>
-          <a:stretch>
-            <a:fillRect/>
-          </a:stretch>
-        </p:blipFill>
-        <p:spPr>
-          <a:xfrm>
-            <a:off x="805543" y="1262542"/>
-            <a:ext cx="10031225" cy="2896004"/>
-          </a:xfrm>
-          <a:prstGeom prst="rect">
-            <a:avLst/>
-          </a:prstGeom>
-        </p:spPr>
-      </p:pic>
     </p:spTree>
     <p:extLst>
       <p:ext uri="{BB962C8B-B14F-4D97-AF65-F5344CB8AC3E}">
-        <p14:creationId xmlns:p14="http://schemas.microsoft.com/office/powerpoint/2010/main" val="667756099"/>
+        <p14:creationId xmlns:p14="http://schemas.microsoft.com/office/powerpoint/2010/main" val="3950603603"/>
       </p:ext>
     </p:extLst>
   </p:cSld>
@@ -8320,7 +8551,11 @@
           <a:p>
             <a:r>
               <a:rPr lang="en-US" altLang="ko-KR" dirty="0" smtClean="0"/>
-              <a:t>#6. PrintfEx1</a:t>
+              <a:t>#5. </a:t>
+            </a:r>
+            <a:r>
+              <a:rPr lang="en-US" altLang="ko-KR" dirty="0" err="1" smtClean="0"/>
+              <a:t>ScannerEx</a:t>
             </a:r>
             <a:endParaRPr lang="ko-KR" altLang="en-US" dirty="0"/>
           </a:p>
@@ -8342,8 +8577,72 @@
         </p:blipFill>
         <p:spPr>
           <a:xfrm>
-            <a:off x="881743" y="674132"/>
-            <a:ext cx="10602686" cy="5839574"/>
+            <a:off x="7078231" y="5142700"/>
+            <a:ext cx="5009641" cy="862048"/>
+          </a:xfrm>
+          <a:prstGeom prst="rect">
+            <a:avLst/>
+          </a:prstGeom>
+        </p:spPr>
+      </p:pic>
+      <p:sp>
+        <p:nvSpPr>
+          <p:cNvPr id="5" name="위로 굽은 화살표 4"/>
+          <p:cNvSpPr/>
+          <p:nvPr/>
+        </p:nvSpPr>
+        <p:spPr>
+          <a:xfrm rot="5400000">
+            <a:off x="5590082" y="4745821"/>
+            <a:ext cx="1360178" cy="577112"/>
+          </a:xfrm>
+          <a:prstGeom prst="bentUpArrow">
+            <a:avLst/>
+          </a:prstGeom>
+        </p:spPr>
+        <p:style>
+          <a:lnRef idx="2">
+            <a:schemeClr val="accent1">
+              <a:shade val="50000"/>
+            </a:schemeClr>
+          </a:lnRef>
+          <a:fillRef idx="1">
+            <a:schemeClr val="accent1"/>
+          </a:fillRef>
+          <a:effectRef idx="0">
+            <a:schemeClr val="accent1"/>
+          </a:effectRef>
+          <a:fontRef idx="minor">
+            <a:schemeClr val="lt1"/>
+          </a:fontRef>
+        </p:style>
+        <p:txBody>
+          <a:bodyPr rtlCol="0" anchor="ctr"/>
+          <a:lstStyle/>
+          <a:p>
+            <a:pPr algn="ctr"/>
+            <a:endParaRPr lang="ko-KR" altLang="en-US"/>
+          </a:p>
+        </p:txBody>
+      </p:sp>
+      <p:pic>
+        <p:nvPicPr>
+          <p:cNvPr id="6" name="그림 5"/>
+          <p:cNvPicPr>
+            <a:picLocks noChangeAspect="1"/>
+          </p:cNvPicPr>
+          <p:nvPr/>
+        </p:nvPicPr>
+        <p:blipFill>
+          <a:blip r:embed="rId3"/>
+          <a:stretch>
+            <a:fillRect/>
+          </a:stretch>
+        </p:blipFill>
+        <p:spPr>
+          <a:xfrm>
+            <a:off x="805543" y="1262542"/>
+            <a:ext cx="10031225" cy="2896004"/>
           </a:xfrm>
           <a:prstGeom prst="rect">
             <a:avLst/>
@@ -8353,7 +8652,7 @@
     </p:spTree>
     <p:extLst>
       <p:ext uri="{BB962C8B-B14F-4D97-AF65-F5344CB8AC3E}">
-        <p14:creationId xmlns:p14="http://schemas.microsoft.com/office/powerpoint/2010/main" val="2953610520"/>
+        <p14:creationId xmlns:p14="http://schemas.microsoft.com/office/powerpoint/2010/main" val="667756099"/>
       </p:ext>
     </p:extLst>
   </p:cSld>
@@ -8411,7 +8710,7 @@
           <a:p>
             <a:r>
               <a:rPr lang="en-US" altLang="ko-KR" dirty="0" smtClean="0"/>
-              <a:t>#6. PrintEx1</a:t>
+              <a:t>#6. PrintfEx1</a:t>
             </a:r>
             <a:endParaRPr lang="ko-KR" altLang="en-US" dirty="0"/>
           </a:p>
@@ -8419,7 +8718,7 @@
       </p:sp>
       <p:pic>
         <p:nvPicPr>
-          <p:cNvPr id="2" name="그림 1"/>
+          <p:cNvPr id="3" name="그림 2"/>
           <p:cNvPicPr>
             <a:picLocks noChangeAspect="1"/>
           </p:cNvPicPr>
@@ -8433,48 +8732,18 @@
         </p:blipFill>
         <p:spPr>
           <a:xfrm>
-            <a:off x="4546689" y="2300846"/>
-            <a:ext cx="3446964" cy="3200752"/>
+            <a:off x="881743" y="674132"/>
+            <a:ext cx="10602686" cy="5839574"/>
           </a:xfrm>
           <a:prstGeom prst="rect">
             <a:avLst/>
           </a:prstGeom>
         </p:spPr>
       </p:pic>
-      <p:sp>
-        <p:nvSpPr>
-          <p:cNvPr id="5" name="TextBox 4"/>
-          <p:cNvSpPr txBox="1"/>
-          <p:nvPr/>
-        </p:nvSpPr>
-        <p:spPr>
-          <a:xfrm>
-            <a:off x="5682546" y="1755589"/>
-            <a:ext cx="1175250" cy="369332"/>
-          </a:xfrm>
-          <a:prstGeom prst="rect">
-            <a:avLst/>
-          </a:prstGeom>
-          <a:noFill/>
-        </p:spPr>
-        <p:txBody>
-          <a:bodyPr wrap="square" rtlCol="0">
-            <a:spAutoFit/>
-          </a:bodyPr>
-          <a:lstStyle/>
-          <a:p>
-            <a:r>
-              <a:rPr lang="ko-KR" altLang="en-US" dirty="0" smtClean="0"/>
-              <a:t>출력 결과</a:t>
-            </a:r>
-            <a:endParaRPr lang="ko-KR" altLang="en-US" dirty="0"/>
-          </a:p>
-        </p:txBody>
-      </p:sp>
     </p:spTree>
     <p:extLst>
       <p:ext uri="{BB962C8B-B14F-4D97-AF65-F5344CB8AC3E}">
-        <p14:creationId xmlns:p14="http://schemas.microsoft.com/office/powerpoint/2010/main" val="807857737"/>
+        <p14:creationId xmlns:p14="http://schemas.microsoft.com/office/powerpoint/2010/main" val="2953610520"/>
       </p:ext>
     </p:extLst>
   </p:cSld>
@@ -8492,44 +8761,44 @@
 </file>
 
 <file path=ppt/theme/theme1.xml><?xml version="1.0" encoding="utf-8"?>
-<a:theme xmlns:r="http://schemas.openxmlformats.org/officeDocument/2006/relationships" xmlns:c="http://schemas.openxmlformats.org/drawingml/2006/chart" xmlns:dgm="http://schemas.openxmlformats.org/drawingml/2006/diagram" xmlns:dsp="http://schemas.microsoft.com/office/drawing/2008/diagram" xmlns:a="http://schemas.openxmlformats.org/drawingml/2006/main" xmlns:pic="http://schemas.openxmlformats.org/drawingml/2006/picture" xmlns:wp="http://schemas.openxmlformats.org/drawingml/2006/wordprocessingDrawing" xmlns:xdr="http://schemas.openxmlformats.org/drawingml/2006/spreadsheetDrawing" xmlns:lc="http://schemas.openxmlformats.org/drawingml/2006/lockedCanvas" xmlns:p="http://schemas.openxmlformats.org/presentationml/2006/main" name="Crop">
+<a:theme xmlns:a="http://schemas.openxmlformats.org/drawingml/2006/main" name="Crop">
   <a:themeElements>
     <a:clrScheme name="Crop">
       <a:dk1>
         <a:sysClr val="windowText" lastClr="000000"/>
       </a:dk1>
       <a:lt1>
-        <a:sysClr val="window" lastClr="ffffff"/>
+        <a:sysClr val="window" lastClr="FFFFFF"/>
       </a:lt1>
       <a:dk2>
-        <a:srgbClr val="191b0e"/>
+        <a:srgbClr val="191B0E"/>
       </a:dk2>
       <a:lt2>
-        <a:srgbClr val="efede3"/>
+        <a:srgbClr val="EFEDE3"/>
       </a:lt2>
       <a:accent1>
-        <a:srgbClr val="8c8d86"/>
+        <a:srgbClr val="8C8D86"/>
       </a:accent1>
       <a:accent2>
-        <a:srgbClr val="e6c069"/>
+        <a:srgbClr val="E6C069"/>
       </a:accent2>
       <a:accent3>
-        <a:srgbClr val="897b61"/>
+        <a:srgbClr val="897B61"/>
       </a:accent3>
       <a:accent4>
-        <a:srgbClr val="8dab8e"/>
+        <a:srgbClr val="8DAB8E"/>
       </a:accent4>
       <a:accent5>
-        <a:srgbClr val="77a2bb"/>
+        <a:srgbClr val="77A2BB"/>
       </a:accent5>
       <a:accent6>
-        <a:srgbClr val="e28394"/>
+        <a:srgbClr val="E28394"/>
       </a:accent6>
       <a:hlink>
-        <a:srgbClr val="77a2bb"/>
+        <a:srgbClr val="77A2BB"/>
       </a:hlink>
       <a:folHlink>
-        <a:srgbClr val="957a99"/>
+        <a:srgbClr val="957A99"/>
       </a:folHlink>
     </a:clrScheme>
     <a:fontScheme name="Crop">
@@ -8739,5 +9008,7 @@
       </a:bgFillStyleLst>
     </a:fmtScheme>
   </a:themeElements>
+  <a:objectDefaults/>
+  <a:extraClrSchemeLst/>
 </a:theme>
 </file>